--- a/CodeGen2018/Slides.pptx
+++ b/CodeGen2018/Slides.pptx
@@ -6809,6 +6809,70 @@
           </a:prstGeom>
         </p:spPr>
       </p:pic>
+      <p:pic>
+        <p:nvPicPr>
+          <p:cNvPr id="6" name="Picture 5">
+            <a:extLst>
+              <a:ext uri="{FF2B5EF4-FFF2-40B4-BE49-F238E27FC236}">
+                <a16:creationId xmlns:a16="http://schemas.microsoft.com/office/drawing/2014/main" id="{372C0936-2427-4B98-A0F2-26B007179C54}"/>
+              </a:ext>
+            </a:extLst>
+          </p:cNvPr>
+          <p:cNvPicPr>
+            <a:picLocks noChangeAspect="1"/>
+          </p:cNvPicPr>
+          <p:nvPr/>
+        </p:nvPicPr>
+        <p:blipFill>
+          <a:blip r:embed="rId4"/>
+          <a:stretch>
+            <a:fillRect/>
+          </a:stretch>
+        </p:blipFill>
+        <p:spPr>
+          <a:xfrm>
+            <a:off x="8474075" y="4205287"/>
+            <a:ext cx="1009650" cy="1095375"/>
+          </a:xfrm>
+          <a:prstGeom prst="rect">
+            <a:avLst/>
+          </a:prstGeom>
+        </p:spPr>
+      </p:pic>
+      <p:sp>
+        <p:nvSpPr>
+          <p:cNvPr id="7" name="Rectangle 6">
+            <a:extLst>
+              <a:ext uri="{FF2B5EF4-FFF2-40B4-BE49-F238E27FC236}">
+                <a16:creationId xmlns:a16="http://schemas.microsoft.com/office/drawing/2014/main" id="{3AE6581F-7F48-4A65-BF78-43385DBCF4BA}"/>
+              </a:ext>
+            </a:extLst>
+          </p:cNvPr>
+          <p:cNvSpPr/>
+          <p:nvPr/>
+        </p:nvSpPr>
+        <p:spPr>
+          <a:xfrm>
+            <a:off x="7903845" y="4253765"/>
+            <a:ext cx="1079550" cy="830997"/>
+          </a:xfrm>
+          <a:prstGeom prst="rect">
+            <a:avLst/>
+          </a:prstGeom>
+        </p:spPr>
+        <p:txBody>
+          <a:bodyPr wrap="square">
+            <a:spAutoFit/>
+          </a:bodyPr>
+          <a:lstStyle/>
+          <a:p>
+            <a:r>
+              <a:rPr lang="en-AU" sz="4800" dirty="0"/>
+              <a:t>👍</a:t>
+            </a:r>
+          </a:p>
+        </p:txBody>
+      </p:sp>
     </p:spTree>
     <p:extLst>
       <p:ext uri="{BB962C8B-B14F-4D97-AF65-F5344CB8AC3E}">
@@ -7253,49 +7317,19 @@
           <a:chExt cx="0" cy="0"/>
         </a:xfrm>
       </p:grpSpPr>
-      <p:sp>
-        <p:nvSpPr>
-          <p:cNvPr id="2" name="Title 1">
+      <p:pic>
+        <p:nvPicPr>
+          <p:cNvPr id="10" name="Picture 9">
             <a:extLst>
               <a:ext uri="{FF2B5EF4-FFF2-40B4-BE49-F238E27FC236}">
-                <a16:creationId xmlns:a16="http://schemas.microsoft.com/office/drawing/2014/main" id="{6FE94D93-BA1D-4D07-A0F5-F2477A349F27}"/>
-              </a:ext>
-            </a:extLst>
-          </p:cNvPr>
-          <p:cNvSpPr>
-            <a:spLocks noGrp="1"/>
-          </p:cNvSpPr>
-          <p:nvPr>
-            <p:ph type="title"/>
-          </p:nvPr>
-        </p:nvSpPr>
-        <p:spPr/>
-        <p:txBody>
-          <a:bodyPr/>
-          <a:lstStyle/>
-          <a:p>
-            <a:r>
-              <a:rPr lang="en-AU" dirty="0"/>
-              <a:t>How to create a method at runtime using IL</a:t>
-            </a:r>
-          </a:p>
-        </p:txBody>
-      </p:sp>
-      <p:pic>
-        <p:nvPicPr>
-          <p:cNvPr id="4" name="Content Placeholder 3">
-            <a:extLst>
-              <a:ext uri="{FF2B5EF4-FFF2-40B4-BE49-F238E27FC236}">
-                <a16:creationId xmlns:a16="http://schemas.microsoft.com/office/drawing/2014/main" id="{CCC72898-9E79-406A-9DE1-BCE089427B10}"/>
+                <a16:creationId xmlns:a16="http://schemas.microsoft.com/office/drawing/2014/main" id="{BA50D810-0717-4E9D-ADB1-C1EB7A43450D}"/>
               </a:ext>
             </a:extLst>
           </p:cNvPr>
           <p:cNvPicPr>
-            <a:picLocks noGrp="1" noChangeAspect="1"/>
+            <a:picLocks noChangeAspect="1"/>
           </p:cNvPicPr>
-          <p:nvPr>
-            <p:ph idx="1"/>
-          </p:nvPr>
+          <p:nvPr/>
         </p:nvPicPr>
         <p:blipFill>
           <a:blip r:embed="rId2"/>
@@ -7305,8 +7339,8 @@
         </p:blipFill>
         <p:spPr>
           <a:xfrm>
-            <a:off x="838200" y="1419638"/>
-            <a:ext cx="10515600" cy="5161031"/>
+            <a:off x="1217943" y="0"/>
+            <a:ext cx="9756114" cy="6858000"/>
           </a:xfrm>
           <a:prstGeom prst="rect">
             <a:avLst/>
@@ -8270,6 +8304,60 @@
           </a:prstGeom>
         </p:spPr>
       </p:pic>
+      <p:sp>
+        <p:nvSpPr>
+          <p:cNvPr id="8" name="Rectangle 7">
+            <a:extLst>
+              <a:ext uri="{FF2B5EF4-FFF2-40B4-BE49-F238E27FC236}">
+                <a16:creationId xmlns:a16="http://schemas.microsoft.com/office/drawing/2014/main" id="{43F991F2-98AC-47F0-8F90-FF5271997172}"/>
+              </a:ext>
+            </a:extLst>
+          </p:cNvPr>
+          <p:cNvSpPr/>
+          <p:nvPr/>
+        </p:nvSpPr>
+        <p:spPr>
+          <a:xfrm>
+            <a:off x="830580" y="1173480"/>
+            <a:ext cx="548640" cy="45719"/>
+          </a:xfrm>
+          <a:prstGeom prst="rect">
+            <a:avLst/>
+          </a:prstGeom>
+          <a:solidFill>
+            <a:srgbClr val="FF0000"/>
+          </a:solidFill>
+          <a:ln>
+            <a:solidFill>
+              <a:srgbClr val="FF0000"/>
+            </a:solidFill>
+          </a:ln>
+        </p:spPr>
+        <p:style>
+          <a:lnRef idx="2">
+            <a:schemeClr val="accent4">
+              <a:shade val="50000"/>
+            </a:schemeClr>
+          </a:lnRef>
+          <a:fillRef idx="1">
+            <a:schemeClr val="accent4"/>
+          </a:fillRef>
+          <a:effectRef idx="0">
+            <a:schemeClr val="accent4"/>
+          </a:effectRef>
+          <a:fontRef idx="minor">
+            <a:schemeClr val="lt1"/>
+          </a:fontRef>
+        </p:style>
+        <p:txBody>
+          <a:bodyPr rtlCol="0" anchor="ctr"/>
+          <a:lstStyle/>
+          <a:p>
+            <a:pPr algn="ctr"/>
+            <a:endParaRPr lang="en-AU"/>
+          </a:p>
+        </p:txBody>
+      </p:sp>
     </p:spTree>
     <p:extLst>
       <p:ext uri="{BB962C8B-B14F-4D97-AF65-F5344CB8AC3E}">

--- a/CodeGen2018/Slides.pptx
+++ b/CodeGen2018/Slides.pptx
@@ -6,36 +6,41 @@
     <p:sldMasterId id="2147483672" r:id="rId2"/>
   </p:sldMasterIdLst>
   <p:notesMasterIdLst>
-    <p:notesMasterId r:id="rId30"/>
+    <p:notesMasterId r:id="rId35"/>
   </p:notesMasterIdLst>
   <p:sldIdLst>
     <p:sldId id="256" r:id="rId3"/>
     <p:sldId id="257" r:id="rId4"/>
     <p:sldId id="262" r:id="rId5"/>
-    <p:sldId id="263" r:id="rId6"/>
-    <p:sldId id="265" r:id="rId7"/>
-    <p:sldId id="259" r:id="rId8"/>
-    <p:sldId id="260" r:id="rId9"/>
-    <p:sldId id="267" r:id="rId10"/>
-    <p:sldId id="268" r:id="rId11"/>
-    <p:sldId id="286" r:id="rId12"/>
-    <p:sldId id="269" r:id="rId13"/>
-    <p:sldId id="273" r:id="rId14"/>
-    <p:sldId id="275" r:id="rId15"/>
-    <p:sldId id="276" r:id="rId16"/>
-    <p:sldId id="274" r:id="rId17"/>
-    <p:sldId id="278" r:id="rId18"/>
-    <p:sldId id="271" r:id="rId19"/>
-    <p:sldId id="277" r:id="rId20"/>
-    <p:sldId id="283" r:id="rId21"/>
-    <p:sldId id="284" r:id="rId22"/>
-    <p:sldId id="285" r:id="rId23"/>
-    <p:sldId id="266" r:id="rId24"/>
-    <p:sldId id="279" r:id="rId25"/>
-    <p:sldId id="281" r:id="rId26"/>
-    <p:sldId id="272" r:id="rId27"/>
-    <p:sldId id="258" r:id="rId28"/>
-    <p:sldId id="261" r:id="rId29"/>
+    <p:sldId id="289" r:id="rId6"/>
+    <p:sldId id="290" r:id="rId7"/>
+    <p:sldId id="263" r:id="rId8"/>
+    <p:sldId id="265" r:id="rId9"/>
+    <p:sldId id="259" r:id="rId10"/>
+    <p:sldId id="260" r:id="rId11"/>
+    <p:sldId id="267" r:id="rId12"/>
+    <p:sldId id="268" r:id="rId13"/>
+    <p:sldId id="286" r:id="rId14"/>
+    <p:sldId id="269" r:id="rId15"/>
+    <p:sldId id="288" r:id="rId16"/>
+    <p:sldId id="273" r:id="rId17"/>
+    <p:sldId id="291" r:id="rId18"/>
+    <p:sldId id="275" r:id="rId19"/>
+    <p:sldId id="276" r:id="rId20"/>
+    <p:sldId id="274" r:id="rId21"/>
+    <p:sldId id="278" r:id="rId22"/>
+    <p:sldId id="271" r:id="rId23"/>
+    <p:sldId id="277" r:id="rId24"/>
+    <p:sldId id="283" r:id="rId25"/>
+    <p:sldId id="284" r:id="rId26"/>
+    <p:sldId id="285" r:id="rId27"/>
+    <p:sldId id="266" r:id="rId28"/>
+    <p:sldId id="279" r:id="rId29"/>
+    <p:sldId id="281" r:id="rId30"/>
+    <p:sldId id="287" r:id="rId31"/>
+    <p:sldId id="272" r:id="rId32"/>
+    <p:sldId id="258" r:id="rId33"/>
+    <p:sldId id="261" r:id="rId34"/>
   </p:sldIdLst>
   <p:sldSz cx="12192000" cy="6858000"/>
   <p:notesSz cx="6858000" cy="9144000"/>
@@ -134,6 +139,11 @@
       </a:defRPr>
     </a:lvl9pPr>
   </p:defaultTextStyle>
+  <p:extLst>
+    <p:ext uri="{EFAFB233-063F-42B5-8137-9DF3F51BA10A}">
+      <p15:sldGuideLst xmlns:p15="http://schemas.microsoft.com/office/powerpoint/2012/main"/>
+    </p:ext>
+  </p:extLst>
 </p:presentation>
 </file>
 
@@ -2733,7 +2743,7 @@
           <a:p>
             <a:fld id="{D3BEF62E-9A7C-4FB8-B5FD-43461D35DB46}" type="datetimeFigureOut">
               <a:rPr lang="en-AU" smtClean="0"/>
-              <a:t>23/04/2018</a:t>
+              <a:t>24/04/2018</a:t>
             </a:fld>
             <a:endParaRPr lang="en-AU"/>
           </a:p>
@@ -3045,7 +3055,81 @@
           <a:bodyPr/>
           <a:lstStyle/>
           <a:p>
-            <a:endParaRPr lang="en-AU" dirty="0"/>
+            <a:r>
+              <a:rPr lang="en-US" dirty="0"/>
+              <a:t>Hi</a:t>
+            </a:r>
+          </a:p>
+          <a:p>
+            <a:pPr marL="171450" indent="-171450">
+              <a:buFontTx/>
+              <a:buChar char="-"/>
+            </a:pPr>
+            <a:r>
+              <a:rPr lang="en-US" dirty="0"/>
+              <a:t>Reuben</a:t>
+            </a:r>
+          </a:p>
+          <a:p>
+            <a:pPr marL="171450" indent="-171450">
+              <a:buFontTx/>
+              <a:buChar char="-"/>
+            </a:pPr>
+            <a:r>
+              <a:rPr lang="en-US" dirty="0"/>
+              <a:t>Remote worker Microsoft Orleans</a:t>
+            </a:r>
+          </a:p>
+          <a:p>
+            <a:pPr marL="171450" indent="-171450">
+              <a:buFontTx/>
+              <a:buChar char="-"/>
+            </a:pPr>
+            <a:r>
+              <a:rPr lang="en-US" dirty="0" err="1"/>
+              <a:t>Kinda</a:t>
+            </a:r>
+            <a:r>
+              <a:rPr lang="en-US" dirty="0"/>
+              <a:t> like “Serverless Objects” in a way</a:t>
+            </a:r>
+          </a:p>
+          <a:p>
+            <a:pPr marL="171450" indent="-171450">
+              <a:buFontTx/>
+              <a:buChar char="-"/>
+            </a:pPr>
+            <a:r>
+              <a:rPr lang="en-US" dirty="0"/>
+              <a:t>Dark arts, deep within the belly of just about everything</a:t>
+            </a:r>
+          </a:p>
+          <a:p>
+            <a:pPr marL="171450" indent="-171450">
+              <a:buFontTx/>
+              <a:buChar char="-"/>
+            </a:pPr>
+            <a:r>
+              <a:rPr lang="en-US" dirty="0"/>
+              <a:t>Feel free to interrupt me, please</a:t>
+            </a:r>
+          </a:p>
+          <a:p>
+            <a:pPr marL="171450" indent="-171450">
+              <a:buFontTx/>
+              <a:buChar char="-"/>
+            </a:pPr>
+            <a:endParaRPr lang="en-US" dirty="0"/>
+          </a:p>
+          <a:p>
+            <a:pPr marL="171450" indent="-171450">
+              <a:buFontTx/>
+              <a:buChar char="-"/>
+            </a:pPr>
+            <a:r>
+              <a:rPr lang="en-US" dirty="0"/>
+              <a:t>This is my bread and butter – I only pretend to be a distributed systems developer</a:t>
+            </a:r>
           </a:p>
         </p:txBody>
       </p:sp>
@@ -3066,7 +3150,91 @@
           <a:p>
             <a:fld id="{A3C9AA8C-223C-43A1-8709-ABDCD48B68E4}" type="slidenum">
               <a:rPr lang="en-AU" smtClean="0"/>
-              <a:t>19</a:t>
+              <a:t>1</a:t>
+            </a:fld>
+            <a:endParaRPr lang="en-AU"/>
+          </a:p>
+        </p:txBody>
+      </p:sp>
+    </p:spTree>
+    <p:extLst>
+      <p:ext uri="{BB962C8B-B14F-4D97-AF65-F5344CB8AC3E}">
+        <p14:creationId xmlns:p14="http://schemas.microsoft.com/office/powerpoint/2010/main" val="1148208798"/>
+      </p:ext>
+    </p:extLst>
+  </p:cSld>
+  <p:clrMapOvr>
+    <a:masterClrMapping/>
+  </p:clrMapOvr>
+</p:notes>
+</file>
+
+<file path=ppt/notesSlides/notesSlide10.xml><?xml version="1.0" encoding="utf-8"?>
+<p:notes xmlns:a="http://schemas.openxmlformats.org/drawingml/2006/main" xmlns:r="http://schemas.openxmlformats.org/officeDocument/2006/relationships" xmlns:p="http://schemas.openxmlformats.org/presentationml/2006/main">
+  <p:cSld>
+    <p:spTree>
+      <p:nvGrpSpPr>
+        <p:cNvPr id="1" name=""/>
+        <p:cNvGrpSpPr/>
+        <p:nvPr/>
+      </p:nvGrpSpPr>
+      <p:grpSpPr>
+        <a:xfrm>
+          <a:off x="0" y="0"/>
+          <a:ext cx="0" cy="0"/>
+          <a:chOff x="0" y="0"/>
+          <a:chExt cx="0" cy="0"/>
+        </a:xfrm>
+      </p:grpSpPr>
+      <p:sp>
+        <p:nvSpPr>
+          <p:cNvPr id="2" name="Slide Image Placeholder 1"/>
+          <p:cNvSpPr>
+            <a:spLocks noGrp="1" noRot="1" noChangeAspect="1"/>
+          </p:cNvSpPr>
+          <p:nvPr>
+            <p:ph type="sldImg"/>
+          </p:nvPr>
+        </p:nvSpPr>
+        <p:spPr/>
+      </p:sp>
+      <p:sp>
+        <p:nvSpPr>
+          <p:cNvPr id="3" name="Notes Placeholder 2"/>
+          <p:cNvSpPr>
+            <a:spLocks noGrp="1"/>
+          </p:cNvSpPr>
+          <p:nvPr>
+            <p:ph type="body" idx="1"/>
+          </p:nvPr>
+        </p:nvSpPr>
+        <p:spPr/>
+        <p:txBody>
+          <a:bodyPr/>
+          <a:lstStyle/>
+          <a:p>
+            <a:endParaRPr lang="en-AU" dirty="0"/>
+          </a:p>
+        </p:txBody>
+      </p:sp>
+      <p:sp>
+        <p:nvSpPr>
+          <p:cNvPr id="4" name="Slide Number Placeholder 3"/>
+          <p:cNvSpPr>
+            <a:spLocks noGrp="1"/>
+          </p:cNvSpPr>
+          <p:nvPr>
+            <p:ph type="sldNum" sz="quarter" idx="10"/>
+          </p:nvPr>
+        </p:nvSpPr>
+        <p:spPr/>
+        <p:txBody>
+          <a:bodyPr/>
+          <a:lstStyle/>
+          <a:p>
+            <a:fld id="{A3C9AA8C-223C-43A1-8709-ABDCD48B68E4}" type="slidenum">
+              <a:rPr lang="en-AU" smtClean="0"/>
+              <a:t>23</a:t>
             </a:fld>
             <a:endParaRPr lang="en-AU"/>
           </a:p>
@@ -3076,6 +3244,305 @@
     <p:extLst>
       <p:ext uri="{BB962C8B-B14F-4D97-AF65-F5344CB8AC3E}">
         <p14:creationId xmlns:p14="http://schemas.microsoft.com/office/powerpoint/2010/main" val="1061144529"/>
+      </p:ext>
+    </p:extLst>
+  </p:cSld>
+  <p:clrMapOvr>
+    <a:masterClrMapping/>
+  </p:clrMapOvr>
+</p:notes>
+</file>
+
+<file path=ppt/notesSlides/notesSlide11.xml><?xml version="1.0" encoding="utf-8"?>
+<p:notes xmlns:a="http://schemas.openxmlformats.org/drawingml/2006/main" xmlns:r="http://schemas.openxmlformats.org/officeDocument/2006/relationships" xmlns:p="http://schemas.openxmlformats.org/presentationml/2006/main">
+  <p:cSld>
+    <p:spTree>
+      <p:nvGrpSpPr>
+        <p:cNvPr id="1" name=""/>
+        <p:cNvGrpSpPr/>
+        <p:nvPr/>
+      </p:nvGrpSpPr>
+      <p:grpSpPr>
+        <a:xfrm>
+          <a:off x="0" y="0"/>
+          <a:ext cx="0" cy="0"/>
+          <a:chOff x="0" y="0"/>
+          <a:chExt cx="0" cy="0"/>
+        </a:xfrm>
+      </p:grpSpPr>
+      <p:sp>
+        <p:nvSpPr>
+          <p:cNvPr id="2" name="Slide Image Placeholder 1"/>
+          <p:cNvSpPr>
+            <a:spLocks noGrp="1" noRot="1" noChangeAspect="1"/>
+          </p:cNvSpPr>
+          <p:nvPr>
+            <p:ph type="sldImg"/>
+          </p:nvPr>
+        </p:nvSpPr>
+        <p:spPr/>
+      </p:sp>
+      <p:sp>
+        <p:nvSpPr>
+          <p:cNvPr id="3" name="Notes Placeholder 2"/>
+          <p:cNvSpPr>
+            <a:spLocks noGrp="1"/>
+          </p:cNvSpPr>
+          <p:nvPr>
+            <p:ph type="body" idx="1"/>
+          </p:nvPr>
+        </p:nvSpPr>
+        <p:spPr/>
+        <p:txBody>
+          <a:bodyPr/>
+          <a:lstStyle/>
+          <a:p>
+            <a:endParaRPr lang="en-AU" dirty="0"/>
+          </a:p>
+        </p:txBody>
+      </p:sp>
+      <p:sp>
+        <p:nvSpPr>
+          <p:cNvPr id="4" name="Slide Number Placeholder 3"/>
+          <p:cNvSpPr>
+            <a:spLocks noGrp="1"/>
+          </p:cNvSpPr>
+          <p:nvPr>
+            <p:ph type="sldNum" sz="quarter" idx="10"/>
+          </p:nvPr>
+        </p:nvSpPr>
+        <p:spPr/>
+        <p:txBody>
+          <a:bodyPr/>
+          <a:lstStyle/>
+          <a:p>
+            <a:fld id="{A3C9AA8C-223C-43A1-8709-ABDCD48B68E4}" type="slidenum">
+              <a:rPr lang="en-AU" smtClean="0"/>
+              <a:t>24</a:t>
+            </a:fld>
+            <a:endParaRPr lang="en-AU"/>
+          </a:p>
+        </p:txBody>
+      </p:sp>
+    </p:spTree>
+    <p:extLst>
+      <p:ext uri="{BB962C8B-B14F-4D97-AF65-F5344CB8AC3E}">
+        <p14:creationId xmlns:p14="http://schemas.microsoft.com/office/powerpoint/2010/main" val="2283666476"/>
+      </p:ext>
+    </p:extLst>
+  </p:cSld>
+  <p:clrMapOvr>
+    <a:masterClrMapping/>
+  </p:clrMapOvr>
+</p:notes>
+</file>
+
+<file path=ppt/notesSlides/notesSlide12.xml><?xml version="1.0" encoding="utf-8"?>
+<p:notes xmlns:a="http://schemas.openxmlformats.org/drawingml/2006/main" xmlns:r="http://schemas.openxmlformats.org/officeDocument/2006/relationships" xmlns:p="http://schemas.openxmlformats.org/presentationml/2006/main">
+  <p:cSld>
+    <p:spTree>
+      <p:nvGrpSpPr>
+        <p:cNvPr id="1" name=""/>
+        <p:cNvGrpSpPr/>
+        <p:nvPr/>
+      </p:nvGrpSpPr>
+      <p:grpSpPr>
+        <a:xfrm>
+          <a:off x="0" y="0"/>
+          <a:ext cx="0" cy="0"/>
+          <a:chOff x="0" y="0"/>
+          <a:chExt cx="0" cy="0"/>
+        </a:xfrm>
+      </p:grpSpPr>
+      <p:sp>
+        <p:nvSpPr>
+          <p:cNvPr id="2" name="Slide Image Placeholder 1"/>
+          <p:cNvSpPr>
+            <a:spLocks noGrp="1" noRot="1" noChangeAspect="1"/>
+          </p:cNvSpPr>
+          <p:nvPr>
+            <p:ph type="sldImg"/>
+          </p:nvPr>
+        </p:nvSpPr>
+        <p:spPr/>
+      </p:sp>
+      <p:sp>
+        <p:nvSpPr>
+          <p:cNvPr id="3" name="Notes Placeholder 2"/>
+          <p:cNvSpPr>
+            <a:spLocks noGrp="1"/>
+          </p:cNvSpPr>
+          <p:nvPr>
+            <p:ph type="body" idx="1"/>
+          </p:nvPr>
+        </p:nvSpPr>
+        <p:spPr/>
+        <p:txBody>
+          <a:bodyPr/>
+          <a:lstStyle/>
+          <a:p>
+            <a:endParaRPr lang="en-AU" dirty="0"/>
+          </a:p>
+        </p:txBody>
+      </p:sp>
+      <p:sp>
+        <p:nvSpPr>
+          <p:cNvPr id="4" name="Slide Number Placeholder 3"/>
+          <p:cNvSpPr>
+            <a:spLocks noGrp="1"/>
+          </p:cNvSpPr>
+          <p:nvPr>
+            <p:ph type="sldNum" sz="quarter" idx="10"/>
+          </p:nvPr>
+        </p:nvSpPr>
+        <p:spPr/>
+        <p:txBody>
+          <a:bodyPr/>
+          <a:lstStyle/>
+          <a:p>
+            <a:fld id="{A3C9AA8C-223C-43A1-8709-ABDCD48B68E4}" type="slidenum">
+              <a:rPr lang="en-AU" smtClean="0"/>
+              <a:t>25</a:t>
+            </a:fld>
+            <a:endParaRPr lang="en-AU"/>
+          </a:p>
+        </p:txBody>
+      </p:sp>
+    </p:spTree>
+    <p:extLst>
+      <p:ext uri="{BB962C8B-B14F-4D97-AF65-F5344CB8AC3E}">
+        <p14:creationId xmlns:p14="http://schemas.microsoft.com/office/powerpoint/2010/main" val="1869431232"/>
+      </p:ext>
+    </p:extLst>
+  </p:cSld>
+  <p:clrMapOvr>
+    <a:masterClrMapping/>
+  </p:clrMapOvr>
+</p:notes>
+</file>
+
+<file path=ppt/notesSlides/notesSlide13.xml><?xml version="1.0" encoding="utf-8"?>
+<p:notes xmlns:a="http://schemas.openxmlformats.org/drawingml/2006/main" xmlns:r="http://schemas.openxmlformats.org/officeDocument/2006/relationships" xmlns:p="http://schemas.openxmlformats.org/presentationml/2006/main">
+  <p:cSld>
+    <p:spTree>
+      <p:nvGrpSpPr>
+        <p:cNvPr id="1" name=""/>
+        <p:cNvGrpSpPr/>
+        <p:nvPr/>
+      </p:nvGrpSpPr>
+      <p:grpSpPr>
+        <a:xfrm>
+          <a:off x="0" y="0"/>
+          <a:ext cx="0" cy="0"/>
+          <a:chOff x="0" y="0"/>
+          <a:chExt cx="0" cy="0"/>
+        </a:xfrm>
+      </p:grpSpPr>
+      <p:sp>
+        <p:nvSpPr>
+          <p:cNvPr id="2" name="Slide Image Placeholder 1"/>
+          <p:cNvSpPr>
+            <a:spLocks noGrp="1" noRot="1" noChangeAspect="1"/>
+          </p:cNvSpPr>
+          <p:nvPr>
+            <p:ph type="sldImg"/>
+          </p:nvPr>
+        </p:nvSpPr>
+        <p:spPr/>
+      </p:sp>
+      <p:sp>
+        <p:nvSpPr>
+          <p:cNvPr id="3" name="Notes Placeholder 2"/>
+          <p:cNvSpPr>
+            <a:spLocks noGrp="1"/>
+          </p:cNvSpPr>
+          <p:nvPr>
+            <p:ph type="body" idx="1"/>
+          </p:nvPr>
+        </p:nvSpPr>
+        <p:spPr/>
+        <p:txBody>
+          <a:bodyPr/>
+          <a:lstStyle/>
+          <a:p>
+            <a:pPr marL="228600" indent="-228600">
+              <a:buAutoNum type="arabicPeriod"/>
+            </a:pPr>
+            <a:r>
+              <a:rPr lang="en-AU" dirty="0"/>
+              <a:t>Show Model: </a:t>
+            </a:r>
+            <a:r>
+              <a:rPr lang="en-AU" dirty="0" err="1"/>
+              <a:t>TypeDescription</a:t>
+            </a:r>
+            <a:r>
+              <a:rPr lang="en-AU" dirty="0"/>
+              <a:t>, </a:t>
+            </a:r>
+            <a:r>
+              <a:rPr lang="en-AU" dirty="0" err="1"/>
+              <a:t>PropertyDescription</a:t>
+            </a:r>
+            <a:r>
+              <a:rPr lang="en-AU" dirty="0"/>
+              <a:t>, </a:t>
+            </a:r>
+            <a:r>
+              <a:rPr lang="en-AU" dirty="0" err="1"/>
+              <a:t>FieldDescription</a:t>
+            </a:r>
+            <a:endParaRPr lang="en-AU" dirty="0"/>
+          </a:p>
+          <a:p>
+            <a:pPr marL="228600" indent="-228600">
+              <a:buAutoNum type="arabicPeriod"/>
+            </a:pPr>
+            <a:endParaRPr lang="en-AU" dirty="0"/>
+          </a:p>
+          <a:p>
+            <a:pPr marL="228600" indent="-228600">
+              <a:buAutoNum type="arabicPeriod"/>
+            </a:pPr>
+            <a:r>
+              <a:rPr lang="en-AU" dirty="0"/>
+              <a:t>Show </a:t>
+            </a:r>
+            <a:r>
+              <a:rPr lang="en-AU" dirty="0" err="1"/>
+              <a:t>GenerateCode</a:t>
+            </a:r>
+            <a:endParaRPr lang="en-AU" dirty="0"/>
+          </a:p>
+        </p:txBody>
+      </p:sp>
+      <p:sp>
+        <p:nvSpPr>
+          <p:cNvPr id="4" name="Slide Number Placeholder 3"/>
+          <p:cNvSpPr>
+            <a:spLocks noGrp="1"/>
+          </p:cNvSpPr>
+          <p:nvPr>
+            <p:ph type="sldNum" sz="quarter" idx="10"/>
+          </p:nvPr>
+        </p:nvSpPr>
+        <p:spPr/>
+        <p:txBody>
+          <a:bodyPr/>
+          <a:lstStyle/>
+          <a:p>
+            <a:fld id="{A3C9AA8C-223C-43A1-8709-ABDCD48B68E4}" type="slidenum">
+              <a:rPr lang="en-AU" smtClean="0"/>
+              <a:t>28</a:t>
+            </a:fld>
+            <a:endParaRPr lang="en-AU"/>
+          </a:p>
+        </p:txBody>
+      </p:sp>
+    </p:spTree>
+    <p:extLst>
+      <p:ext uri="{BB962C8B-B14F-4D97-AF65-F5344CB8AC3E}">
+        <p14:creationId xmlns:p14="http://schemas.microsoft.com/office/powerpoint/2010/main" val="2183829161"/>
       </p:ext>
     </p:extLst>
   </p:cSld>
@@ -3129,7 +3596,38 @@
           <a:bodyPr/>
           <a:lstStyle/>
           <a:p>
-            <a:endParaRPr lang="en-AU" dirty="0"/>
+            <a:r>
+              <a:rPr lang="en-US" dirty="0"/>
+              <a:t>Welcome to the dark side</a:t>
+            </a:r>
+          </a:p>
+          <a:p>
+            <a:r>
+              <a:rPr lang="en-US" dirty="0"/>
+              <a:t>The </a:t>
+            </a:r>
+            <a:r>
+              <a:rPr lang="en-US" dirty="0" err="1"/>
+              <a:t>jedi</a:t>
+            </a:r>
+            <a:r>
+              <a:rPr lang="en-US" dirty="0"/>
+              <a:t> fear these powers</a:t>
+            </a:r>
+          </a:p>
+          <a:p>
+            <a:r>
+              <a:rPr lang="en-US" dirty="0"/>
+              <a:t>So this is not a story the </a:t>
+            </a:r>
+            <a:r>
+              <a:rPr lang="en-US" dirty="0" err="1"/>
+              <a:t>jedi</a:t>
+            </a:r>
+            <a:r>
+              <a:rPr lang="en-US" dirty="0"/>
+              <a:t> would tell you</a:t>
+            </a:r>
           </a:p>
         </p:txBody>
       </p:sp>
@@ -3150,7 +3648,7 @@
           <a:p>
             <a:fld id="{A3C9AA8C-223C-43A1-8709-ABDCD48B68E4}" type="slidenum">
               <a:rPr lang="en-AU" smtClean="0"/>
-              <a:t>20</a:t>
+              <a:t>2</a:t>
             </a:fld>
             <a:endParaRPr lang="en-AU"/>
           </a:p>
@@ -3159,7 +3657,7 @@
     </p:spTree>
     <p:extLst>
       <p:ext uri="{BB962C8B-B14F-4D97-AF65-F5344CB8AC3E}">
-        <p14:creationId xmlns:p14="http://schemas.microsoft.com/office/powerpoint/2010/main" val="2283666476"/>
+        <p14:creationId xmlns:p14="http://schemas.microsoft.com/office/powerpoint/2010/main" val="3648236001"/>
       </p:ext>
     </p:extLst>
   </p:cSld>
@@ -3213,7 +3711,22 @@
           <a:bodyPr/>
           <a:lstStyle/>
           <a:p>
-            <a:endParaRPr lang="en-AU" dirty="0"/>
+            <a:r>
+              <a:rPr lang="en-US" dirty="0"/>
+              <a:t>Goal</a:t>
+            </a:r>
+          </a:p>
+          <a:p>
+            <a:r>
+              <a:rPr lang="en-US" dirty="0"/>
+              <a:t>Introduce you</a:t>
+            </a:r>
+          </a:p>
+          <a:p>
+            <a:r>
+              <a:rPr lang="en-US" dirty="0"/>
+              <a:t>Show you the way, where to look</a:t>
+            </a:r>
           </a:p>
         </p:txBody>
       </p:sp>
@@ -3234,7 +3747,7 @@
           <a:p>
             <a:fld id="{A3C9AA8C-223C-43A1-8709-ABDCD48B68E4}" type="slidenum">
               <a:rPr lang="en-AU" smtClean="0"/>
-              <a:t>21</a:t>
+              <a:t>3</a:t>
             </a:fld>
             <a:endParaRPr lang="en-AU"/>
           </a:p>
@@ -3243,7 +3756,7 @@
     </p:spTree>
     <p:extLst>
       <p:ext uri="{BB962C8B-B14F-4D97-AF65-F5344CB8AC3E}">
-        <p14:creationId xmlns:p14="http://schemas.microsoft.com/office/powerpoint/2010/main" val="1869431232"/>
+        <p14:creationId xmlns:p14="http://schemas.microsoft.com/office/powerpoint/2010/main" val="3830527326"/>
       </p:ext>
     </p:extLst>
   </p:cSld>
@@ -3297,54 +3810,7 @@
           <a:bodyPr/>
           <a:lstStyle/>
           <a:p>
-            <a:pPr marL="228600" indent="-228600">
-              <a:buAutoNum type="arabicPeriod"/>
-            </a:pPr>
-            <a:r>
-              <a:rPr lang="en-AU" dirty="0"/>
-              <a:t>Show Model: </a:t>
-            </a:r>
-            <a:r>
-              <a:rPr lang="en-AU" dirty="0" err="1"/>
-              <a:t>TypeDescription</a:t>
-            </a:r>
-            <a:r>
-              <a:rPr lang="en-AU" dirty="0"/>
-              <a:t>, </a:t>
-            </a:r>
-            <a:r>
-              <a:rPr lang="en-AU" dirty="0" err="1"/>
-              <a:t>PropertyDescription</a:t>
-            </a:r>
-            <a:r>
-              <a:rPr lang="en-AU" dirty="0"/>
-              <a:t>, </a:t>
-            </a:r>
-            <a:r>
-              <a:rPr lang="en-AU" dirty="0" err="1"/>
-              <a:t>FieldDescription</a:t>
-            </a:r>
-            <a:endParaRPr lang="en-AU" dirty="0"/>
-          </a:p>
-          <a:p>
-            <a:pPr marL="228600" indent="-228600">
-              <a:buAutoNum type="arabicPeriod"/>
-            </a:pPr>
-            <a:endParaRPr lang="en-AU" dirty="0"/>
-          </a:p>
-          <a:p>
-            <a:pPr marL="228600" indent="-228600">
-              <a:buAutoNum type="arabicPeriod"/>
-            </a:pPr>
-            <a:r>
-              <a:rPr lang="en-AU" dirty="0"/>
-              <a:t>Show </a:t>
-            </a:r>
-            <a:r>
-              <a:rPr lang="en-AU" dirty="0" err="1"/>
-              <a:t>GenerateCode</a:t>
-            </a:r>
-            <a:endParaRPr lang="en-AU" dirty="0"/>
+            <a:endParaRPr lang="en-US" dirty="0"/>
           </a:p>
         </p:txBody>
       </p:sp>
@@ -3365,7 +3831,7 @@
           <a:p>
             <a:fld id="{A3C9AA8C-223C-43A1-8709-ABDCD48B68E4}" type="slidenum">
               <a:rPr lang="en-AU" smtClean="0"/>
-              <a:t>24</a:t>
+              <a:t>4</a:t>
             </a:fld>
             <a:endParaRPr lang="en-AU"/>
           </a:p>
@@ -3374,7 +3840,445 @@
     </p:spTree>
     <p:extLst>
       <p:ext uri="{BB962C8B-B14F-4D97-AF65-F5344CB8AC3E}">
-        <p14:creationId xmlns:p14="http://schemas.microsoft.com/office/powerpoint/2010/main" val="2183829161"/>
+        <p14:creationId xmlns:p14="http://schemas.microsoft.com/office/powerpoint/2010/main" val="2707393746"/>
+      </p:ext>
+    </p:extLst>
+  </p:cSld>
+  <p:clrMapOvr>
+    <a:masterClrMapping/>
+  </p:clrMapOvr>
+</p:notes>
+</file>
+
+<file path=ppt/notesSlides/notesSlide5.xml><?xml version="1.0" encoding="utf-8"?>
+<p:notes xmlns:a="http://schemas.openxmlformats.org/drawingml/2006/main" xmlns:r="http://schemas.openxmlformats.org/officeDocument/2006/relationships" xmlns:p="http://schemas.openxmlformats.org/presentationml/2006/main">
+  <p:cSld>
+    <p:spTree>
+      <p:nvGrpSpPr>
+        <p:cNvPr id="1" name=""/>
+        <p:cNvGrpSpPr/>
+        <p:nvPr/>
+      </p:nvGrpSpPr>
+      <p:grpSpPr>
+        <a:xfrm>
+          <a:off x="0" y="0"/>
+          <a:ext cx="0" cy="0"/>
+          <a:chOff x="0" y="0"/>
+          <a:chExt cx="0" cy="0"/>
+        </a:xfrm>
+      </p:grpSpPr>
+      <p:sp>
+        <p:nvSpPr>
+          <p:cNvPr id="2" name="Slide Image Placeholder 1"/>
+          <p:cNvSpPr>
+            <a:spLocks noGrp="1" noRot="1" noChangeAspect="1"/>
+          </p:cNvSpPr>
+          <p:nvPr>
+            <p:ph type="sldImg"/>
+          </p:nvPr>
+        </p:nvSpPr>
+        <p:spPr/>
+      </p:sp>
+      <p:sp>
+        <p:nvSpPr>
+          <p:cNvPr id="3" name="Notes Placeholder 2"/>
+          <p:cNvSpPr>
+            <a:spLocks noGrp="1"/>
+          </p:cNvSpPr>
+          <p:nvPr>
+            <p:ph type="body" idx="1"/>
+          </p:nvPr>
+        </p:nvSpPr>
+        <p:spPr/>
+        <p:txBody>
+          <a:bodyPr/>
+          <a:lstStyle/>
+          <a:p>
+            <a:r>
+              <a:rPr lang="en-US" dirty="0"/>
+              <a:t>Yep.</a:t>
+            </a:r>
+          </a:p>
+        </p:txBody>
+      </p:sp>
+      <p:sp>
+        <p:nvSpPr>
+          <p:cNvPr id="4" name="Slide Number Placeholder 3"/>
+          <p:cNvSpPr>
+            <a:spLocks noGrp="1"/>
+          </p:cNvSpPr>
+          <p:nvPr>
+            <p:ph type="sldNum" sz="quarter" idx="10"/>
+          </p:nvPr>
+        </p:nvSpPr>
+        <p:spPr/>
+        <p:txBody>
+          <a:bodyPr/>
+          <a:lstStyle/>
+          <a:p>
+            <a:fld id="{A3C9AA8C-223C-43A1-8709-ABDCD48B68E4}" type="slidenum">
+              <a:rPr lang="en-AU" smtClean="0"/>
+              <a:t>5</a:t>
+            </a:fld>
+            <a:endParaRPr lang="en-AU"/>
+          </a:p>
+        </p:txBody>
+      </p:sp>
+    </p:spTree>
+    <p:extLst>
+      <p:ext uri="{BB962C8B-B14F-4D97-AF65-F5344CB8AC3E}">
+        <p14:creationId xmlns:p14="http://schemas.microsoft.com/office/powerpoint/2010/main" val="3230622425"/>
+      </p:ext>
+    </p:extLst>
+  </p:cSld>
+  <p:clrMapOvr>
+    <a:masterClrMapping/>
+  </p:clrMapOvr>
+</p:notes>
+</file>
+
+<file path=ppt/notesSlides/notesSlide6.xml><?xml version="1.0" encoding="utf-8"?>
+<p:notes xmlns:a="http://schemas.openxmlformats.org/drawingml/2006/main" xmlns:r="http://schemas.openxmlformats.org/officeDocument/2006/relationships" xmlns:p="http://schemas.openxmlformats.org/presentationml/2006/main">
+  <p:cSld>
+    <p:spTree>
+      <p:nvGrpSpPr>
+        <p:cNvPr id="1" name=""/>
+        <p:cNvGrpSpPr/>
+        <p:nvPr/>
+      </p:nvGrpSpPr>
+      <p:grpSpPr>
+        <a:xfrm>
+          <a:off x="0" y="0"/>
+          <a:ext cx="0" cy="0"/>
+          <a:chOff x="0" y="0"/>
+          <a:chExt cx="0" cy="0"/>
+        </a:xfrm>
+      </p:grpSpPr>
+      <p:sp>
+        <p:nvSpPr>
+          <p:cNvPr id="2" name="Slide Image Placeholder 1"/>
+          <p:cNvSpPr>
+            <a:spLocks noGrp="1" noRot="1" noChangeAspect="1"/>
+          </p:cNvSpPr>
+          <p:nvPr>
+            <p:ph type="sldImg"/>
+          </p:nvPr>
+        </p:nvSpPr>
+        <p:spPr/>
+      </p:sp>
+      <p:sp>
+        <p:nvSpPr>
+          <p:cNvPr id="3" name="Notes Placeholder 2"/>
+          <p:cNvSpPr>
+            <a:spLocks noGrp="1"/>
+          </p:cNvSpPr>
+          <p:nvPr>
+            <p:ph type="body" idx="1"/>
+          </p:nvPr>
+        </p:nvSpPr>
+        <p:spPr/>
+        <p:txBody>
+          <a:bodyPr/>
+          <a:lstStyle/>
+          <a:p>
+            <a:endParaRPr lang="en-US" dirty="0"/>
+          </a:p>
+        </p:txBody>
+      </p:sp>
+      <p:sp>
+        <p:nvSpPr>
+          <p:cNvPr id="4" name="Slide Number Placeholder 3"/>
+          <p:cNvSpPr>
+            <a:spLocks noGrp="1"/>
+          </p:cNvSpPr>
+          <p:nvPr>
+            <p:ph type="sldNum" sz="quarter" idx="10"/>
+          </p:nvPr>
+        </p:nvSpPr>
+        <p:spPr/>
+        <p:txBody>
+          <a:bodyPr/>
+          <a:lstStyle/>
+          <a:p>
+            <a:fld id="{A3C9AA8C-223C-43A1-8709-ABDCD48B68E4}" type="slidenum">
+              <a:rPr lang="en-AU" smtClean="0"/>
+              <a:t>10</a:t>
+            </a:fld>
+            <a:endParaRPr lang="en-AU"/>
+          </a:p>
+        </p:txBody>
+      </p:sp>
+    </p:spTree>
+    <p:extLst>
+      <p:ext uri="{BB962C8B-B14F-4D97-AF65-F5344CB8AC3E}">
+        <p14:creationId xmlns:p14="http://schemas.microsoft.com/office/powerpoint/2010/main" val="1184092324"/>
+      </p:ext>
+    </p:extLst>
+  </p:cSld>
+  <p:clrMapOvr>
+    <a:masterClrMapping/>
+  </p:clrMapOvr>
+</p:notes>
+</file>
+
+<file path=ppt/notesSlides/notesSlide7.xml><?xml version="1.0" encoding="utf-8"?>
+<p:notes xmlns:a="http://schemas.openxmlformats.org/drawingml/2006/main" xmlns:r="http://schemas.openxmlformats.org/officeDocument/2006/relationships" xmlns:p="http://schemas.openxmlformats.org/presentationml/2006/main">
+  <p:cSld>
+    <p:spTree>
+      <p:nvGrpSpPr>
+        <p:cNvPr id="1" name=""/>
+        <p:cNvGrpSpPr/>
+        <p:nvPr/>
+      </p:nvGrpSpPr>
+      <p:grpSpPr>
+        <a:xfrm>
+          <a:off x="0" y="0"/>
+          <a:ext cx="0" cy="0"/>
+          <a:chOff x="0" y="0"/>
+          <a:chExt cx="0" cy="0"/>
+        </a:xfrm>
+      </p:grpSpPr>
+      <p:sp>
+        <p:nvSpPr>
+          <p:cNvPr id="2" name="Slide Image Placeholder 1"/>
+          <p:cNvSpPr>
+            <a:spLocks noGrp="1" noRot="1" noChangeAspect="1"/>
+          </p:cNvSpPr>
+          <p:nvPr>
+            <p:ph type="sldImg"/>
+          </p:nvPr>
+        </p:nvSpPr>
+        <p:spPr/>
+      </p:sp>
+      <p:sp>
+        <p:nvSpPr>
+          <p:cNvPr id="3" name="Notes Placeholder 2"/>
+          <p:cNvSpPr>
+            <a:spLocks noGrp="1"/>
+          </p:cNvSpPr>
+          <p:nvPr>
+            <p:ph type="body" idx="1"/>
+          </p:nvPr>
+        </p:nvSpPr>
+        <p:spPr/>
+        <p:txBody>
+          <a:bodyPr/>
+          <a:lstStyle/>
+          <a:p>
+            <a:endParaRPr lang="en-US" dirty="0"/>
+          </a:p>
+        </p:txBody>
+      </p:sp>
+      <p:sp>
+        <p:nvSpPr>
+          <p:cNvPr id="4" name="Slide Number Placeholder 3"/>
+          <p:cNvSpPr>
+            <a:spLocks noGrp="1"/>
+          </p:cNvSpPr>
+          <p:nvPr>
+            <p:ph type="sldNum" sz="quarter" idx="10"/>
+          </p:nvPr>
+        </p:nvSpPr>
+        <p:spPr/>
+        <p:txBody>
+          <a:bodyPr/>
+          <a:lstStyle/>
+          <a:p>
+            <a:fld id="{A3C9AA8C-223C-43A1-8709-ABDCD48B68E4}" type="slidenum">
+              <a:rPr lang="en-AU" smtClean="0"/>
+              <a:t>11</a:t>
+            </a:fld>
+            <a:endParaRPr lang="en-AU"/>
+          </a:p>
+        </p:txBody>
+      </p:sp>
+    </p:spTree>
+    <p:extLst>
+      <p:ext uri="{BB962C8B-B14F-4D97-AF65-F5344CB8AC3E}">
+        <p14:creationId xmlns:p14="http://schemas.microsoft.com/office/powerpoint/2010/main" val="887357121"/>
+      </p:ext>
+    </p:extLst>
+  </p:cSld>
+  <p:clrMapOvr>
+    <a:masterClrMapping/>
+  </p:clrMapOvr>
+</p:notes>
+</file>
+
+<file path=ppt/notesSlides/notesSlide8.xml><?xml version="1.0" encoding="utf-8"?>
+<p:notes xmlns:a="http://schemas.openxmlformats.org/drawingml/2006/main" xmlns:r="http://schemas.openxmlformats.org/officeDocument/2006/relationships" xmlns:p="http://schemas.openxmlformats.org/presentationml/2006/main">
+  <p:cSld>
+    <p:spTree>
+      <p:nvGrpSpPr>
+        <p:cNvPr id="1" name=""/>
+        <p:cNvGrpSpPr/>
+        <p:nvPr/>
+      </p:nvGrpSpPr>
+      <p:grpSpPr>
+        <a:xfrm>
+          <a:off x="0" y="0"/>
+          <a:ext cx="0" cy="0"/>
+          <a:chOff x="0" y="0"/>
+          <a:chExt cx="0" cy="0"/>
+        </a:xfrm>
+      </p:grpSpPr>
+      <p:sp>
+        <p:nvSpPr>
+          <p:cNvPr id="2" name="Slide Image Placeholder 1"/>
+          <p:cNvSpPr>
+            <a:spLocks noGrp="1" noRot="1" noChangeAspect="1"/>
+          </p:cNvSpPr>
+          <p:nvPr>
+            <p:ph type="sldImg"/>
+          </p:nvPr>
+        </p:nvSpPr>
+        <p:spPr/>
+      </p:sp>
+      <p:sp>
+        <p:nvSpPr>
+          <p:cNvPr id="3" name="Notes Placeholder 2"/>
+          <p:cNvSpPr>
+            <a:spLocks noGrp="1"/>
+          </p:cNvSpPr>
+          <p:nvPr>
+            <p:ph type="body" idx="1"/>
+          </p:nvPr>
+        </p:nvSpPr>
+        <p:spPr/>
+        <p:txBody>
+          <a:bodyPr/>
+          <a:lstStyle/>
+          <a:p>
+            <a:endParaRPr lang="en-US" dirty="0"/>
+          </a:p>
+        </p:txBody>
+      </p:sp>
+      <p:sp>
+        <p:nvSpPr>
+          <p:cNvPr id="4" name="Slide Number Placeholder 3"/>
+          <p:cNvSpPr>
+            <a:spLocks noGrp="1"/>
+          </p:cNvSpPr>
+          <p:nvPr>
+            <p:ph type="sldNum" sz="quarter" idx="10"/>
+          </p:nvPr>
+        </p:nvSpPr>
+        <p:spPr/>
+        <p:txBody>
+          <a:bodyPr/>
+          <a:lstStyle/>
+          <a:p>
+            <a:fld id="{A3C9AA8C-223C-43A1-8709-ABDCD48B68E4}" type="slidenum">
+              <a:rPr lang="en-AU" smtClean="0"/>
+              <a:t>14</a:t>
+            </a:fld>
+            <a:endParaRPr lang="en-AU"/>
+          </a:p>
+        </p:txBody>
+      </p:sp>
+    </p:spTree>
+    <p:extLst>
+      <p:ext uri="{BB962C8B-B14F-4D97-AF65-F5344CB8AC3E}">
+        <p14:creationId xmlns:p14="http://schemas.microsoft.com/office/powerpoint/2010/main" val="3381086830"/>
+      </p:ext>
+    </p:extLst>
+  </p:cSld>
+  <p:clrMapOvr>
+    <a:masterClrMapping/>
+  </p:clrMapOvr>
+</p:notes>
+</file>
+
+<file path=ppt/notesSlides/notesSlide9.xml><?xml version="1.0" encoding="utf-8"?>
+<p:notes xmlns:a="http://schemas.openxmlformats.org/drawingml/2006/main" xmlns:r="http://schemas.openxmlformats.org/officeDocument/2006/relationships" xmlns:p="http://schemas.openxmlformats.org/presentationml/2006/main">
+  <p:cSld>
+    <p:spTree>
+      <p:nvGrpSpPr>
+        <p:cNvPr id="1" name=""/>
+        <p:cNvGrpSpPr/>
+        <p:nvPr/>
+      </p:nvGrpSpPr>
+      <p:grpSpPr>
+        <a:xfrm>
+          <a:off x="0" y="0"/>
+          <a:ext cx="0" cy="0"/>
+          <a:chOff x="0" y="0"/>
+          <a:chExt cx="0" cy="0"/>
+        </a:xfrm>
+      </p:grpSpPr>
+      <p:sp>
+        <p:nvSpPr>
+          <p:cNvPr id="2" name="Slide Image Placeholder 1"/>
+          <p:cNvSpPr>
+            <a:spLocks noGrp="1" noRot="1" noChangeAspect="1"/>
+          </p:cNvSpPr>
+          <p:nvPr>
+            <p:ph type="sldImg"/>
+          </p:nvPr>
+        </p:nvSpPr>
+        <p:spPr/>
+      </p:sp>
+      <p:sp>
+        <p:nvSpPr>
+          <p:cNvPr id="3" name="Notes Placeholder 2"/>
+          <p:cNvSpPr>
+            <a:spLocks noGrp="1"/>
+          </p:cNvSpPr>
+          <p:nvPr>
+            <p:ph type="body" idx="1"/>
+          </p:nvPr>
+        </p:nvSpPr>
+        <p:spPr/>
+        <p:txBody>
+          <a:bodyPr/>
+          <a:lstStyle/>
+          <a:p>
+            <a:r>
+              <a:rPr lang="en-US" dirty="0"/>
+              <a:t>Roslyn is *THE* compiler.</a:t>
+            </a:r>
+          </a:p>
+          <a:p>
+            <a:r>
+              <a:rPr lang="en-US" dirty="0"/>
+              <a:t>It’s not designed to be used for this sort of code generation.</a:t>
+            </a:r>
+          </a:p>
+          <a:p>
+            <a:r>
+              <a:rPr lang="en-US" dirty="0"/>
+              <a:t>API can be a little rough.</a:t>
+            </a:r>
+          </a:p>
+        </p:txBody>
+      </p:sp>
+      <p:sp>
+        <p:nvSpPr>
+          <p:cNvPr id="4" name="Slide Number Placeholder 3"/>
+          <p:cNvSpPr>
+            <a:spLocks noGrp="1"/>
+          </p:cNvSpPr>
+          <p:nvPr>
+            <p:ph type="sldNum" sz="quarter" idx="10"/>
+          </p:nvPr>
+        </p:nvSpPr>
+        <p:spPr/>
+        <p:txBody>
+          <a:bodyPr/>
+          <a:lstStyle/>
+          <a:p>
+            <a:fld id="{A3C9AA8C-223C-43A1-8709-ABDCD48B68E4}" type="slidenum">
+              <a:rPr lang="en-AU" smtClean="0"/>
+              <a:t>22</a:t>
+            </a:fld>
+            <a:endParaRPr lang="en-AU"/>
+          </a:p>
+        </p:txBody>
+      </p:sp>
+    </p:spTree>
+    <p:extLst>
+      <p:ext uri="{BB962C8B-B14F-4D97-AF65-F5344CB8AC3E}">
+        <p14:creationId xmlns:p14="http://schemas.microsoft.com/office/powerpoint/2010/main" val="95361184"/>
       </p:ext>
     </p:extLst>
   </p:cSld>
@@ -3515,7 +4419,7 @@
           <a:p>
             <a:fld id="{FFAFC32A-DDF8-4C02-90B1-006453D32392}" type="datetimeFigureOut">
               <a:rPr lang="en-AU" smtClean="0"/>
-              <a:t>20/04/2018</a:t>
+              <a:t>24/04/2018</a:t>
             </a:fld>
             <a:endParaRPr lang="en-AU"/>
           </a:p>
@@ -3685,7 +4589,7 @@
           <a:p>
             <a:fld id="{FFAFC32A-DDF8-4C02-90B1-006453D32392}" type="datetimeFigureOut">
               <a:rPr lang="en-AU" smtClean="0"/>
-              <a:t>20/04/2018</a:t>
+              <a:t>24/04/2018</a:t>
             </a:fld>
             <a:endParaRPr lang="en-AU"/>
           </a:p>
@@ -3865,7 +4769,7 @@
           <a:p>
             <a:fld id="{FFAFC32A-DDF8-4C02-90B1-006453D32392}" type="datetimeFigureOut">
               <a:rPr lang="en-AU" smtClean="0"/>
-              <a:t>20/04/2018</a:t>
+              <a:t>24/04/2018</a:t>
             </a:fld>
             <a:endParaRPr lang="en-AU"/>
           </a:p>
@@ -4095,7 +4999,7 @@
           <a:p>
             <a:fld id="{FFAFC32A-DDF8-4C02-90B1-006453D32392}" type="datetimeFigureOut">
               <a:rPr lang="en-AU" smtClean="0"/>
-              <a:t>20/04/2018</a:t>
+              <a:t>24/04/2018</a:t>
             </a:fld>
             <a:endParaRPr lang="en-AU"/>
           </a:p>
@@ -4341,7 +5245,7 @@
           <a:p>
             <a:fld id="{FFAFC32A-DDF8-4C02-90B1-006453D32392}" type="datetimeFigureOut">
               <a:rPr lang="en-AU" smtClean="0"/>
-              <a:t>20/04/2018</a:t>
+              <a:t>24/04/2018</a:t>
             </a:fld>
             <a:endParaRPr lang="en-AU"/>
           </a:p>
@@ -4573,7 +5477,7 @@
           <a:p>
             <a:fld id="{FFAFC32A-DDF8-4C02-90B1-006453D32392}" type="datetimeFigureOut">
               <a:rPr lang="en-AU" smtClean="0"/>
-              <a:t>20/04/2018</a:t>
+              <a:t>24/04/2018</a:t>
             </a:fld>
             <a:endParaRPr lang="en-AU"/>
           </a:p>
@@ -4940,7 +5844,7 @@
           <a:p>
             <a:fld id="{FFAFC32A-DDF8-4C02-90B1-006453D32392}" type="datetimeFigureOut">
               <a:rPr lang="en-AU" smtClean="0"/>
-              <a:t>20/04/2018</a:t>
+              <a:t>24/04/2018</a:t>
             </a:fld>
             <a:endParaRPr lang="en-AU"/>
           </a:p>
@@ -5058,7 +5962,7 @@
           <a:p>
             <a:fld id="{FFAFC32A-DDF8-4C02-90B1-006453D32392}" type="datetimeFigureOut">
               <a:rPr lang="en-AU" smtClean="0"/>
-              <a:t>20/04/2018</a:t>
+              <a:t>24/04/2018</a:t>
             </a:fld>
             <a:endParaRPr lang="en-AU"/>
           </a:p>
@@ -5153,7 +6057,7 @@
           <a:p>
             <a:fld id="{FFAFC32A-DDF8-4C02-90B1-006453D32392}" type="datetimeFigureOut">
               <a:rPr lang="en-AU" smtClean="0"/>
-              <a:t>20/04/2018</a:t>
+              <a:t>24/04/2018</a:t>
             </a:fld>
             <a:endParaRPr lang="en-AU"/>
           </a:p>
@@ -5430,7 +6334,7 @@
           <a:p>
             <a:fld id="{FFAFC32A-DDF8-4C02-90B1-006453D32392}" type="datetimeFigureOut">
               <a:rPr lang="en-AU" smtClean="0"/>
-              <a:t>20/04/2018</a:t>
+              <a:t>24/04/2018</a:t>
             </a:fld>
             <a:endParaRPr lang="en-AU"/>
           </a:p>
@@ -5687,7 +6591,7 @@
           <a:p>
             <a:fld id="{FFAFC32A-DDF8-4C02-90B1-006453D32392}" type="datetimeFigureOut">
               <a:rPr lang="en-AU" smtClean="0"/>
-              <a:t>20/04/2018</a:t>
+              <a:t>24/04/2018</a:t>
             </a:fld>
             <a:endParaRPr lang="en-AU"/>
           </a:p>
@@ -5900,7 +6804,7 @@
           <a:p>
             <a:fld id="{FFAFC32A-DDF8-4C02-90B1-006453D32392}" type="datetimeFigureOut">
               <a:rPr lang="en-AU" smtClean="0"/>
-              <a:t>20/04/2018</a:t>
+              <a:t>24/04/2018</a:t>
             </a:fld>
             <a:endParaRPr lang="en-AU"/>
           </a:p>
@@ -6611,7 +7515,7 @@
     <p:bg>
       <p:bgPr>
         <a:blipFill dpi="0" rotWithShape="1">
-          <a:blip r:embed="rId2">
+          <a:blip r:embed="rId3">
             <a:lum/>
           </a:blip>
           <a:srcRect/>
@@ -6725,6 +7629,292 @@
 </file>
 
 <file path=ppt/slides/slide10.xml><?xml version="1.0" encoding="utf-8"?>
+<p:sld xmlns:a="http://schemas.openxmlformats.org/drawingml/2006/main" xmlns:r="http://schemas.openxmlformats.org/officeDocument/2006/relationships" xmlns:p="http://schemas.openxmlformats.org/presentationml/2006/main">
+  <p:cSld>
+    <p:bg>
+      <p:bgPr>
+        <a:solidFill>
+          <a:srgbClr val="171717"/>
+        </a:solidFill>
+        <a:effectLst/>
+      </p:bgPr>
+    </p:bg>
+    <p:spTree>
+      <p:nvGrpSpPr>
+        <p:cNvPr id="1" name=""/>
+        <p:cNvGrpSpPr/>
+        <p:nvPr/>
+      </p:nvGrpSpPr>
+      <p:grpSpPr>
+        <a:xfrm>
+          <a:off x="0" y="0"/>
+          <a:ext cx="0" cy="0"/>
+          <a:chOff x="0" y="0"/>
+          <a:chExt cx="0" cy="0"/>
+        </a:xfrm>
+      </p:grpSpPr>
+      <p:sp>
+        <p:nvSpPr>
+          <p:cNvPr id="9" name="Title 1">
+            <a:extLst>
+              <a:ext uri="{FF2B5EF4-FFF2-40B4-BE49-F238E27FC236}">
+                <a16:creationId xmlns:a16="http://schemas.microsoft.com/office/drawing/2014/main" id="{8210DC89-683E-4430-988D-9D86908F052A}"/>
+              </a:ext>
+            </a:extLst>
+          </p:cNvPr>
+          <p:cNvSpPr>
+            <a:spLocks noGrp="1"/>
+          </p:cNvSpPr>
+          <p:nvPr>
+            <p:ph type="title"/>
+          </p:nvPr>
+        </p:nvSpPr>
+        <p:spPr>
+          <a:xfrm>
+            <a:off x="838200" y="2766218"/>
+            <a:ext cx="10515600" cy="1325563"/>
+          </a:xfrm>
+        </p:spPr>
+        <p:txBody>
+          <a:bodyPr anchor="ctr">
+            <a:normAutofit/>
+            <a:scene3d>
+              <a:camera prst="orthographicFront"/>
+              <a:lightRig rig="threePt" dir="t"/>
+            </a:scene3d>
+            <a:sp3d>
+              <a:bevelB w="38100" h="38100"/>
+            </a:sp3d>
+          </a:bodyPr>
+          <a:lstStyle/>
+          <a:p>
+            <a:pPr algn="ctr"/>
+            <a:r>
+              <a:rPr lang="en-AU" sz="4800" dirty="0"/>
+              <a:t>.NET</a:t>
+            </a:r>
+            <a:endParaRPr lang="en-AU" sz="4800" i="1" dirty="0">
+              <a:pattFill prst="solidDmnd">
+                <a:fgClr>
+                  <a:srgbClr val="CC00FF"/>
+                </a:fgClr>
+                <a:bgClr>
+                  <a:srgbClr val="FFFF00"/>
+                </a:bgClr>
+              </a:pattFill>
+              <a:effectLst>
+                <a:glow rad="228600">
+                  <a:srgbClr val="7030A0">
+                    <a:alpha val="40000"/>
+                  </a:srgbClr>
+                </a:glow>
+              </a:effectLst>
+            </a:endParaRPr>
+          </a:p>
+        </p:txBody>
+      </p:sp>
+    </p:spTree>
+    <p:extLst>
+      <p:ext uri="{BB962C8B-B14F-4D97-AF65-F5344CB8AC3E}">
+        <p14:creationId xmlns:p14="http://schemas.microsoft.com/office/powerpoint/2010/main" val="2701734904"/>
+      </p:ext>
+    </p:extLst>
+  </p:cSld>
+  <p:clrMapOvr>
+    <a:masterClrMapping/>
+  </p:clrMapOvr>
+</p:sld>
+</file>
+
+<file path=ppt/slides/slide11.xml><?xml version="1.0" encoding="utf-8"?>
+<p:sld xmlns:a="http://schemas.openxmlformats.org/drawingml/2006/main" xmlns:r="http://schemas.openxmlformats.org/officeDocument/2006/relationships" xmlns:p="http://schemas.openxmlformats.org/presentationml/2006/main">
+  <p:cSld>
+    <p:bg>
+      <p:bgPr>
+        <a:solidFill>
+          <a:srgbClr val="171717"/>
+        </a:solidFill>
+        <a:effectLst/>
+      </p:bgPr>
+    </p:bg>
+    <p:spTree>
+      <p:nvGrpSpPr>
+        <p:cNvPr id="1" name=""/>
+        <p:cNvGrpSpPr/>
+        <p:nvPr/>
+      </p:nvGrpSpPr>
+      <p:grpSpPr>
+        <a:xfrm>
+          <a:off x="0" y="0"/>
+          <a:ext cx="0" cy="0"/>
+          <a:chOff x="0" y="0"/>
+          <a:chExt cx="0" cy="0"/>
+        </a:xfrm>
+      </p:grpSpPr>
+      <p:sp>
+        <p:nvSpPr>
+          <p:cNvPr id="2" name="Title 1">
+            <a:extLst>
+              <a:ext uri="{FF2B5EF4-FFF2-40B4-BE49-F238E27FC236}">
+                <a16:creationId xmlns:a16="http://schemas.microsoft.com/office/drawing/2014/main" id="{E280D2F7-3049-41EA-AD79-C29365FEE858}"/>
+              </a:ext>
+            </a:extLst>
+          </p:cNvPr>
+          <p:cNvSpPr>
+            <a:spLocks noGrp="1"/>
+          </p:cNvSpPr>
+          <p:nvPr>
+            <p:ph type="title"/>
+          </p:nvPr>
+        </p:nvSpPr>
+        <p:spPr/>
+        <p:txBody>
+          <a:bodyPr/>
+          <a:lstStyle/>
+          <a:p>
+            <a:r>
+              <a:rPr lang="en-AU" dirty="0"/>
+              <a:t>Expression Trees</a:t>
+            </a:r>
+          </a:p>
+        </p:txBody>
+      </p:sp>
+      <p:sp>
+        <p:nvSpPr>
+          <p:cNvPr id="3" name="Content Placeholder 2">
+            <a:extLst>
+              <a:ext uri="{FF2B5EF4-FFF2-40B4-BE49-F238E27FC236}">
+                <a16:creationId xmlns:a16="http://schemas.microsoft.com/office/drawing/2014/main" id="{DD49FCDC-C283-4976-AFB1-79E5D31CF530}"/>
+              </a:ext>
+            </a:extLst>
+          </p:cNvPr>
+          <p:cNvSpPr>
+            <a:spLocks noGrp="1"/>
+          </p:cNvSpPr>
+          <p:nvPr>
+            <p:ph idx="1"/>
+          </p:nvPr>
+        </p:nvSpPr>
+        <p:spPr/>
+        <p:txBody>
+          <a:bodyPr/>
+          <a:lstStyle/>
+          <a:p>
+            <a:pPr marL="0" indent="0">
+              <a:buNone/>
+            </a:pPr>
+            <a:r>
+              <a:rPr lang="en-US" dirty="0"/>
+              <a:t>Using </a:t>
+            </a:r>
+            <a:r>
+              <a:rPr lang="en-US" b="1" dirty="0">
+                <a:solidFill>
+                  <a:srgbClr val="00B0F0"/>
+                </a:solidFill>
+              </a:rPr>
+              <a:t>LINQ Expression Trees</a:t>
+            </a:r>
+            <a:r>
+              <a:rPr lang="en-US" dirty="0">
+                <a:solidFill>
+                  <a:srgbClr val="00B0F0"/>
+                </a:solidFill>
+              </a:rPr>
+              <a:t> </a:t>
+            </a:r>
+            <a:r>
+              <a:rPr lang="en-US" dirty="0"/>
+              <a:t>to compile expressions at runtime</a:t>
+            </a:r>
+          </a:p>
+          <a:p>
+            <a:pPr marL="0" indent="0">
+              <a:buNone/>
+            </a:pPr>
+            <a:r>
+              <a:rPr lang="en-AU" dirty="0">
+                <a:solidFill>
+                  <a:srgbClr val="00B050"/>
+                </a:solidFill>
+              </a:rPr>
+              <a:t>✔ </a:t>
+            </a:r>
+            <a:r>
+              <a:rPr lang="en-US" dirty="0"/>
+              <a:t>Easy to use, expressive API</a:t>
+            </a:r>
+          </a:p>
+          <a:p>
+            <a:pPr marL="0" indent="0">
+              <a:buNone/>
+            </a:pPr>
+            <a:r>
+              <a:rPr lang="en-AU" dirty="0">
+                <a:solidFill>
+                  <a:srgbClr val="00B050"/>
+                </a:solidFill>
+              </a:rPr>
+              <a:t>✔ </a:t>
+            </a:r>
+            <a:r>
+              <a:rPr lang="en-US" dirty="0"/>
+              <a:t>Allows level of access to private members</a:t>
+            </a:r>
+          </a:p>
+          <a:p>
+            <a:pPr marL="0" indent="0">
+              <a:buNone/>
+            </a:pPr>
+            <a:r>
+              <a:rPr lang="en-AU" dirty="0">
+                <a:solidFill>
+                  <a:srgbClr val="FF0000"/>
+                </a:solidFill>
+              </a:rPr>
+              <a:t>❌ </a:t>
+            </a:r>
+            <a:r>
+              <a:rPr lang="en-US" dirty="0"/>
+              <a:t>Not fully supported on AOT-only platforms like iOS</a:t>
+            </a:r>
+          </a:p>
+          <a:p>
+            <a:pPr marL="0" indent="0">
+              <a:buNone/>
+            </a:pPr>
+            <a:r>
+              <a:rPr lang="en-AU" dirty="0">
+                <a:solidFill>
+                  <a:srgbClr val="FF0000"/>
+                </a:solidFill>
+              </a:rPr>
+              <a:t>❌ </a:t>
+            </a:r>
+            <a:r>
+              <a:rPr lang="en-US" dirty="0"/>
+              <a:t>Not all language constructs are supported</a:t>
+            </a:r>
+          </a:p>
+          <a:p>
+            <a:endParaRPr lang="en-AU" dirty="0"/>
+          </a:p>
+        </p:txBody>
+      </p:sp>
+    </p:spTree>
+    <p:extLst>
+      <p:ext uri="{BB962C8B-B14F-4D97-AF65-F5344CB8AC3E}">
+        <p14:creationId xmlns:p14="http://schemas.microsoft.com/office/powerpoint/2010/main" val="2288847306"/>
+      </p:ext>
+    </p:extLst>
+  </p:cSld>
+  <p:clrMapOvr>
+    <a:masterClrMapping/>
+  </p:clrMapOvr>
+</p:sld>
+</file>
+
+<file path=ppt/slides/slide12.xml><?xml version="1.0" encoding="utf-8"?>
 <p:sld xmlns:a="http://schemas.openxmlformats.org/drawingml/2006/main" xmlns:r="http://schemas.openxmlformats.org/officeDocument/2006/relationships" xmlns:p="http://schemas.openxmlformats.org/presentationml/2006/main">
   <p:cSld>
     <p:bg>
@@ -6886,7 +8076,7 @@
 </p:sld>
 </file>
 
-<file path=ppt/slides/slide11.xml><?xml version="1.0" encoding="utf-8"?>
+<file path=ppt/slides/slide13.xml><?xml version="1.0" encoding="utf-8"?>
 <p:sld xmlns:a="http://schemas.openxmlformats.org/drawingml/2006/main" xmlns:r="http://schemas.openxmlformats.org/officeDocument/2006/relationships" xmlns:p="http://schemas.openxmlformats.org/presentationml/2006/main">
   <p:cSld>
     <p:bg>
@@ -7107,7 +8297,81 @@
 </p:sld>
 </file>
 
-<file path=ppt/slides/slide12.xml><?xml version="1.0" encoding="utf-8"?>
+<file path=ppt/slides/slide14.xml><?xml version="1.0" encoding="utf-8"?>
+<p:sld xmlns:a="http://schemas.openxmlformats.org/drawingml/2006/main" xmlns:r="http://schemas.openxmlformats.org/officeDocument/2006/relationships" xmlns:p="http://schemas.openxmlformats.org/presentationml/2006/main">
+  <p:cSld>
+    <p:bg>
+      <p:bgPr>
+        <a:solidFill>
+          <a:schemeClr val="tx1"/>
+        </a:solidFill>
+        <a:effectLst/>
+      </p:bgPr>
+    </p:bg>
+    <p:spTree>
+      <p:nvGrpSpPr>
+        <p:cNvPr id="1" name=""/>
+        <p:cNvGrpSpPr/>
+        <p:nvPr/>
+      </p:nvGrpSpPr>
+      <p:grpSpPr>
+        <a:xfrm>
+          <a:off x="0" y="0"/>
+          <a:ext cx="0" cy="0"/>
+          <a:chOff x="0" y="0"/>
+          <a:chExt cx="0" cy="0"/>
+        </a:xfrm>
+      </p:grpSpPr>
+      <p:pic>
+        <p:nvPicPr>
+          <p:cNvPr id="5" name="Picture 4">
+            <a:extLst>
+              <a:ext uri="{FF2B5EF4-FFF2-40B4-BE49-F238E27FC236}">
+                <a16:creationId xmlns:a16="http://schemas.microsoft.com/office/drawing/2014/main" id="{0EDEAD2A-1715-49FD-A344-8BA037488084}"/>
+              </a:ext>
+            </a:extLst>
+          </p:cNvPr>
+          <p:cNvPicPr>
+            <a:picLocks noChangeAspect="1"/>
+          </p:cNvPicPr>
+          <p:nvPr/>
+        </p:nvPicPr>
+        <p:blipFill>
+          <a:blip r:embed="rId3">
+            <a:extLst>
+              <a:ext uri="{28A0092B-C50C-407E-A947-70E740481C1C}">
+                <a14:useLocalDpi xmlns:a14="http://schemas.microsoft.com/office/drawing/2010/main" val="0"/>
+              </a:ext>
+            </a:extLst>
+          </a:blip>
+          <a:stretch>
+            <a:fillRect/>
+          </a:stretch>
+        </p:blipFill>
+        <p:spPr>
+          <a:xfrm>
+            <a:off x="1414695" y="196207"/>
+            <a:ext cx="10203267" cy="6465585"/>
+          </a:xfrm>
+          <a:prstGeom prst="rect">
+            <a:avLst/>
+          </a:prstGeom>
+        </p:spPr>
+      </p:pic>
+    </p:spTree>
+    <p:extLst>
+      <p:ext uri="{BB962C8B-B14F-4D97-AF65-F5344CB8AC3E}">
+        <p14:creationId xmlns:p14="http://schemas.microsoft.com/office/powerpoint/2010/main" val="4138442538"/>
+      </p:ext>
+    </p:extLst>
+  </p:cSld>
+  <p:clrMapOvr>
+    <a:masterClrMapping/>
+  </p:clrMapOvr>
+</p:sld>
+</file>
+
+<file path=ppt/slides/slide15.xml><?xml version="1.0" encoding="utf-8"?>
 <p:sld xmlns:a="http://schemas.openxmlformats.org/drawingml/2006/main" xmlns:r="http://schemas.openxmlformats.org/officeDocument/2006/relationships" xmlns:p="http://schemas.openxmlformats.org/presentationml/2006/main">
   <p:cSld>
     <p:bg>
@@ -7292,8 +8556,109 @@
 </p:sld>
 </file>
 
-<file path=ppt/slides/slide13.xml><?xml version="1.0" encoding="utf-8"?>
+<file path=ppt/slides/slide16.xml><?xml version="1.0" encoding="utf-8"?>
 <p:sld xmlns:a="http://schemas.openxmlformats.org/drawingml/2006/main" xmlns:r="http://schemas.openxmlformats.org/officeDocument/2006/relationships" xmlns:p="http://schemas.openxmlformats.org/presentationml/2006/main">
+  <p:cSld>
+    <p:bg>
+      <p:bgPr>
+        <a:solidFill>
+          <a:srgbClr val="171717"/>
+        </a:solidFill>
+        <a:effectLst/>
+      </p:bgPr>
+    </p:bg>
+    <p:spTree>
+      <p:nvGrpSpPr>
+        <p:cNvPr id="1" name=""/>
+        <p:cNvGrpSpPr/>
+        <p:nvPr/>
+      </p:nvGrpSpPr>
+      <p:grpSpPr>
+        <a:xfrm>
+          <a:off x="0" y="0"/>
+          <a:ext cx="0" cy="0"/>
+          <a:chOff x="0" y="0"/>
+          <a:chExt cx="0" cy="0"/>
+        </a:xfrm>
+      </p:grpSpPr>
+      <p:sp>
+        <p:nvSpPr>
+          <p:cNvPr id="4" name="Title 3">
+            <a:extLst>
+              <a:ext uri="{FF2B5EF4-FFF2-40B4-BE49-F238E27FC236}">
+                <a16:creationId xmlns:a16="http://schemas.microsoft.com/office/drawing/2014/main" id="{8ED64E12-9BC9-4DB0-99A1-32F1028006AA}"/>
+              </a:ext>
+            </a:extLst>
+          </p:cNvPr>
+          <p:cNvSpPr>
+            <a:spLocks noGrp="1"/>
+          </p:cNvSpPr>
+          <p:nvPr>
+            <p:ph type="title"/>
+          </p:nvPr>
+        </p:nvSpPr>
+        <p:spPr/>
+        <p:txBody>
+          <a:bodyPr/>
+          <a:lstStyle/>
+          <a:p>
+            <a:r>
+              <a:rPr lang="en-US" dirty="0"/>
+              <a:t>Example:</a:t>
+            </a:r>
+            <a:br>
+              <a:rPr lang="en-US" dirty="0"/>
+            </a:br>
+            <a:r>
+              <a:rPr lang="en-US" dirty="0"/>
+              <a:t>Emit IL</a:t>
+            </a:r>
+          </a:p>
+        </p:txBody>
+      </p:sp>
+      <p:sp>
+        <p:nvSpPr>
+          <p:cNvPr id="5" name="Text Placeholder 4">
+            <a:extLst>
+              <a:ext uri="{FF2B5EF4-FFF2-40B4-BE49-F238E27FC236}">
+                <a16:creationId xmlns:a16="http://schemas.microsoft.com/office/drawing/2014/main" id="{E6DBCC22-E973-4203-A462-BB10D6F1C0F5}"/>
+              </a:ext>
+            </a:extLst>
+          </p:cNvPr>
+          <p:cNvSpPr>
+            <a:spLocks noGrp="1"/>
+          </p:cNvSpPr>
+          <p:nvPr>
+            <p:ph type="body" idx="1"/>
+          </p:nvPr>
+        </p:nvSpPr>
+        <p:spPr/>
+        <p:txBody>
+          <a:bodyPr/>
+          <a:lstStyle/>
+          <a:p>
+            <a:r>
+              <a:rPr lang="en-US" dirty="0"/>
+              <a:t>🙏 Please, demo gods, let this work…</a:t>
+            </a:r>
+          </a:p>
+        </p:txBody>
+      </p:sp>
+    </p:spTree>
+    <p:extLst>
+      <p:ext uri="{BB962C8B-B14F-4D97-AF65-F5344CB8AC3E}">
+        <p14:creationId xmlns:p14="http://schemas.microsoft.com/office/powerpoint/2010/main" val="2779722210"/>
+      </p:ext>
+    </p:extLst>
+  </p:cSld>
+  <p:clrMapOvr>
+    <a:masterClrMapping/>
+  </p:clrMapOvr>
+</p:sld>
+</file>
+
+<file path=ppt/slides/slide17.xml><?xml version="1.0" encoding="utf-8"?>
+<p:sld xmlns:a="http://schemas.openxmlformats.org/drawingml/2006/main" xmlns:r="http://schemas.openxmlformats.org/officeDocument/2006/relationships" xmlns:p="http://schemas.openxmlformats.org/presentationml/2006/main" show="0">
   <p:cSld>
     <p:bg>
       <p:bgPr>
@@ -7360,7 +8725,7 @@
 </p:sld>
 </file>
 
-<file path=ppt/slides/slide14.xml><?xml version="1.0" encoding="utf-8"?>
+<file path=ppt/slides/slide18.xml><?xml version="1.0" encoding="utf-8"?>
 <p:sld xmlns:a="http://schemas.openxmlformats.org/drawingml/2006/main" xmlns:r="http://schemas.openxmlformats.org/officeDocument/2006/relationships" xmlns:p="http://schemas.openxmlformats.org/presentationml/2006/main">
   <p:cSld>
     <p:bg>
@@ -7459,7 +8824,7 @@
 </p:sld>
 </file>
 
-<file path=ppt/slides/slide15.xml><?xml version="1.0" encoding="utf-8"?>
+<file path=ppt/slides/slide19.xml><?xml version="1.0" encoding="utf-8"?>
 <p:sld xmlns:a="http://schemas.openxmlformats.org/drawingml/2006/main" xmlns:r="http://schemas.openxmlformats.org/officeDocument/2006/relationships" xmlns:p="http://schemas.openxmlformats.org/presentationml/2006/main">
   <p:cSld>
     <p:bg>
@@ -7532,7 +8897,134 @@
 </p:sld>
 </file>
 
-<file path=ppt/slides/slide16.xml><?xml version="1.0" encoding="utf-8"?>
+<file path=ppt/slides/slide2.xml><?xml version="1.0" encoding="utf-8"?>
+<p:sld xmlns:a="http://schemas.openxmlformats.org/drawingml/2006/main" xmlns:r="http://schemas.openxmlformats.org/officeDocument/2006/relationships" xmlns:p="http://schemas.openxmlformats.org/presentationml/2006/main">
+  <p:cSld>
+    <p:bg>
+      <p:bgPr>
+        <a:solidFill>
+          <a:schemeClr val="bg1"/>
+        </a:solidFill>
+        <a:effectLst/>
+      </p:bgPr>
+    </p:bg>
+    <p:spTree>
+      <p:nvGrpSpPr>
+        <p:cNvPr id="1" name=""/>
+        <p:cNvGrpSpPr/>
+        <p:nvPr/>
+      </p:nvGrpSpPr>
+      <p:grpSpPr>
+        <a:xfrm>
+          <a:off x="0" y="0"/>
+          <a:ext cx="0" cy="0"/>
+          <a:chOff x="0" y="0"/>
+          <a:chExt cx="0" cy="0"/>
+        </a:xfrm>
+      </p:grpSpPr>
+      <p:sp>
+        <p:nvSpPr>
+          <p:cNvPr id="7" name="Content Placeholder 6">
+            <a:extLst>
+              <a:ext uri="{FF2B5EF4-FFF2-40B4-BE49-F238E27FC236}">
+                <a16:creationId xmlns:a16="http://schemas.microsoft.com/office/drawing/2014/main" id="{AE74EE88-5A5A-4BBD-8489-C9525C0F43E4}"/>
+              </a:ext>
+            </a:extLst>
+          </p:cNvPr>
+          <p:cNvSpPr>
+            <a:spLocks noGrp="1"/>
+          </p:cNvSpPr>
+          <p:nvPr>
+            <p:ph idx="1"/>
+          </p:nvPr>
+        </p:nvSpPr>
+        <p:spPr/>
+        <p:txBody>
+          <a:bodyPr/>
+          <a:lstStyle/>
+          <a:p>
+            <a:endParaRPr lang="en-AU" dirty="0"/>
+          </a:p>
+        </p:txBody>
+      </p:sp>
+      <p:pic>
+        <p:nvPicPr>
+          <p:cNvPr id="8" name="Picture 7">
+            <a:extLst>
+              <a:ext uri="{FF2B5EF4-FFF2-40B4-BE49-F238E27FC236}">
+                <a16:creationId xmlns:a16="http://schemas.microsoft.com/office/drawing/2014/main" id="{88DEC3C0-D16A-4B46-87E5-F919CE03976D}"/>
+              </a:ext>
+            </a:extLst>
+          </p:cNvPr>
+          <p:cNvPicPr>
+            <a:picLocks noChangeAspect="1"/>
+          </p:cNvPicPr>
+          <p:nvPr/>
+        </p:nvPicPr>
+        <p:blipFill>
+          <a:blip r:embed="rId3"/>
+          <a:stretch>
+            <a:fillRect/>
+          </a:stretch>
+        </p:blipFill>
+        <p:spPr>
+          <a:xfrm>
+            <a:off x="0" y="595385"/>
+            <a:ext cx="12192000" cy="5667229"/>
+          </a:xfrm>
+          <a:prstGeom prst="rect">
+            <a:avLst/>
+          </a:prstGeom>
+        </p:spPr>
+      </p:pic>
+      <p:sp>
+        <p:nvSpPr>
+          <p:cNvPr id="6" name="Title 5">
+            <a:extLst>
+              <a:ext uri="{FF2B5EF4-FFF2-40B4-BE49-F238E27FC236}">
+                <a16:creationId xmlns:a16="http://schemas.microsoft.com/office/drawing/2014/main" id="{DD2D047C-4F22-438C-B197-4F51F7C0D5A1}"/>
+              </a:ext>
+            </a:extLst>
+          </p:cNvPr>
+          <p:cNvSpPr>
+            <a:spLocks noGrp="1"/>
+          </p:cNvSpPr>
+          <p:nvPr>
+            <p:ph type="title"/>
+          </p:nvPr>
+        </p:nvSpPr>
+        <p:spPr>
+          <a:xfrm>
+            <a:off x="838200" y="5208721"/>
+            <a:ext cx="10515600" cy="1325563"/>
+          </a:xfrm>
+        </p:spPr>
+        <p:txBody>
+          <a:bodyPr/>
+          <a:lstStyle/>
+          <a:p>
+            <a:pPr algn="ctr"/>
+            <a:r>
+              <a:rPr lang="en-AU" dirty="0"/>
+              <a:t>It’s not a story the Jedi would tell you</a:t>
+            </a:r>
+          </a:p>
+        </p:txBody>
+      </p:sp>
+    </p:spTree>
+    <p:extLst>
+      <p:ext uri="{BB962C8B-B14F-4D97-AF65-F5344CB8AC3E}">
+        <p14:creationId xmlns:p14="http://schemas.microsoft.com/office/powerpoint/2010/main" val="3820453216"/>
+      </p:ext>
+    </p:extLst>
+  </p:cSld>
+  <p:clrMapOvr>
+    <a:masterClrMapping/>
+  </p:clrMapOvr>
+</p:sld>
+</file>
+
+<file path=ppt/slides/slide20.xml><?xml version="1.0" encoding="utf-8"?>
 <p:sld xmlns:a="http://schemas.openxmlformats.org/drawingml/2006/main" xmlns:r="http://schemas.openxmlformats.org/officeDocument/2006/relationships" xmlns:p="http://schemas.openxmlformats.org/presentationml/2006/main">
   <p:cSld>
     <p:bg>
@@ -7605,7 +9097,7 @@
 </p:sld>
 </file>
 
-<file path=ppt/slides/slide17.xml><?xml version="1.0" encoding="utf-8"?>
+<file path=ppt/slides/slide21.xml><?xml version="1.0" encoding="utf-8"?>
 <p:sld xmlns:a="http://schemas.openxmlformats.org/drawingml/2006/main" xmlns:r="http://schemas.openxmlformats.org/officeDocument/2006/relationships" xmlns:p="http://schemas.openxmlformats.org/presentationml/2006/main">
   <p:cSld>
     <p:bg>
@@ -7854,7 +9346,7 @@
 </p:sld>
 </file>
 
-<file path=ppt/slides/slide18.xml><?xml version="1.0" encoding="utf-8"?>
+<file path=ppt/slides/slide22.xml><?xml version="1.0" encoding="utf-8"?>
 <p:sld xmlns:a="http://schemas.openxmlformats.org/drawingml/2006/main" xmlns:r="http://schemas.openxmlformats.org/officeDocument/2006/relationships" xmlns:p="http://schemas.openxmlformats.org/presentationml/2006/main">
   <p:cSld>
     <p:bg>
@@ -7926,7 +9418,7 @@
 </p:sld>
 </file>
 
-<file path=ppt/slides/slide19.xml><?xml version="1.0" encoding="utf-8"?>
+<file path=ppt/slides/slide23.xml><?xml version="1.0" encoding="utf-8"?>
 <p:sld xmlns:a="http://schemas.openxmlformats.org/drawingml/2006/main" xmlns:r="http://schemas.openxmlformats.org/officeDocument/2006/relationships" xmlns:p="http://schemas.openxmlformats.org/presentationml/2006/main">
   <p:cSld>
     <p:bg>
@@ -8024,134 +9516,7 @@
 </p:sld>
 </file>
 
-<file path=ppt/slides/slide2.xml><?xml version="1.0" encoding="utf-8"?>
-<p:sld xmlns:a="http://schemas.openxmlformats.org/drawingml/2006/main" xmlns:r="http://schemas.openxmlformats.org/officeDocument/2006/relationships" xmlns:p="http://schemas.openxmlformats.org/presentationml/2006/main">
-  <p:cSld>
-    <p:bg>
-      <p:bgPr>
-        <a:solidFill>
-          <a:schemeClr val="bg1"/>
-        </a:solidFill>
-        <a:effectLst/>
-      </p:bgPr>
-    </p:bg>
-    <p:spTree>
-      <p:nvGrpSpPr>
-        <p:cNvPr id="1" name=""/>
-        <p:cNvGrpSpPr/>
-        <p:nvPr/>
-      </p:nvGrpSpPr>
-      <p:grpSpPr>
-        <a:xfrm>
-          <a:off x="0" y="0"/>
-          <a:ext cx="0" cy="0"/>
-          <a:chOff x="0" y="0"/>
-          <a:chExt cx="0" cy="0"/>
-        </a:xfrm>
-      </p:grpSpPr>
-      <p:sp>
-        <p:nvSpPr>
-          <p:cNvPr id="7" name="Content Placeholder 6">
-            <a:extLst>
-              <a:ext uri="{FF2B5EF4-FFF2-40B4-BE49-F238E27FC236}">
-                <a16:creationId xmlns:a16="http://schemas.microsoft.com/office/drawing/2014/main" id="{AE74EE88-5A5A-4BBD-8489-C9525C0F43E4}"/>
-              </a:ext>
-            </a:extLst>
-          </p:cNvPr>
-          <p:cNvSpPr>
-            <a:spLocks noGrp="1"/>
-          </p:cNvSpPr>
-          <p:nvPr>
-            <p:ph idx="1"/>
-          </p:nvPr>
-        </p:nvSpPr>
-        <p:spPr/>
-        <p:txBody>
-          <a:bodyPr/>
-          <a:lstStyle/>
-          <a:p>
-            <a:endParaRPr lang="en-AU" dirty="0"/>
-          </a:p>
-        </p:txBody>
-      </p:sp>
-      <p:pic>
-        <p:nvPicPr>
-          <p:cNvPr id="8" name="Picture 7">
-            <a:extLst>
-              <a:ext uri="{FF2B5EF4-FFF2-40B4-BE49-F238E27FC236}">
-                <a16:creationId xmlns:a16="http://schemas.microsoft.com/office/drawing/2014/main" id="{88DEC3C0-D16A-4B46-87E5-F919CE03976D}"/>
-              </a:ext>
-            </a:extLst>
-          </p:cNvPr>
-          <p:cNvPicPr>
-            <a:picLocks noChangeAspect="1"/>
-          </p:cNvPicPr>
-          <p:nvPr/>
-        </p:nvPicPr>
-        <p:blipFill>
-          <a:blip r:embed="rId2"/>
-          <a:stretch>
-            <a:fillRect/>
-          </a:stretch>
-        </p:blipFill>
-        <p:spPr>
-          <a:xfrm>
-            <a:off x="0" y="595385"/>
-            <a:ext cx="12192000" cy="5667229"/>
-          </a:xfrm>
-          <a:prstGeom prst="rect">
-            <a:avLst/>
-          </a:prstGeom>
-        </p:spPr>
-      </p:pic>
-      <p:sp>
-        <p:nvSpPr>
-          <p:cNvPr id="6" name="Title 5">
-            <a:extLst>
-              <a:ext uri="{FF2B5EF4-FFF2-40B4-BE49-F238E27FC236}">
-                <a16:creationId xmlns:a16="http://schemas.microsoft.com/office/drawing/2014/main" id="{DD2D047C-4F22-438C-B197-4F51F7C0D5A1}"/>
-              </a:ext>
-            </a:extLst>
-          </p:cNvPr>
-          <p:cNvSpPr>
-            <a:spLocks noGrp="1"/>
-          </p:cNvSpPr>
-          <p:nvPr>
-            <p:ph type="title"/>
-          </p:nvPr>
-        </p:nvSpPr>
-        <p:spPr>
-          <a:xfrm>
-            <a:off x="838200" y="5208721"/>
-            <a:ext cx="10515600" cy="1325563"/>
-          </a:xfrm>
-        </p:spPr>
-        <p:txBody>
-          <a:bodyPr/>
-          <a:lstStyle/>
-          <a:p>
-            <a:pPr algn="ctr"/>
-            <a:r>
-              <a:rPr lang="en-AU" dirty="0"/>
-              <a:t>It’s not a story the Jedi would tell you</a:t>
-            </a:r>
-          </a:p>
-        </p:txBody>
-      </p:sp>
-    </p:spTree>
-    <p:extLst>
-      <p:ext uri="{BB962C8B-B14F-4D97-AF65-F5344CB8AC3E}">
-        <p14:creationId xmlns:p14="http://schemas.microsoft.com/office/powerpoint/2010/main" val="3820453216"/>
-      </p:ext>
-    </p:extLst>
-  </p:cSld>
-  <p:clrMapOvr>
-    <a:masterClrMapping/>
-  </p:clrMapOvr>
-</p:sld>
-</file>
-
-<file path=ppt/slides/slide20.xml><?xml version="1.0" encoding="utf-8"?>
+<file path=ppt/slides/slide24.xml><?xml version="1.0" encoding="utf-8"?>
 <p:sld xmlns:a="http://schemas.openxmlformats.org/drawingml/2006/main" xmlns:r="http://schemas.openxmlformats.org/officeDocument/2006/relationships" xmlns:p="http://schemas.openxmlformats.org/presentationml/2006/main">
   <p:cSld>
     <p:bg>
@@ -8219,7 +9584,7 @@
 </p:sld>
 </file>
 
-<file path=ppt/slides/slide21.xml><?xml version="1.0" encoding="utf-8"?>
+<file path=ppt/slides/slide25.xml><?xml version="1.0" encoding="utf-8"?>
 <p:sld xmlns:a="http://schemas.openxmlformats.org/drawingml/2006/main" xmlns:r="http://schemas.openxmlformats.org/officeDocument/2006/relationships" xmlns:p="http://schemas.openxmlformats.org/presentationml/2006/main">
   <p:cSld>
     <p:bg>
@@ -8371,7 +9736,7 @@
 </p:sld>
 </file>
 
-<file path=ppt/slides/slide22.xml><?xml version="1.0" encoding="utf-8"?>
+<file path=ppt/slides/slide26.xml><?xml version="1.0" encoding="utf-8"?>
 <p:sld xmlns:a="http://schemas.openxmlformats.org/drawingml/2006/main" xmlns:r="http://schemas.openxmlformats.org/officeDocument/2006/relationships" xmlns:p="http://schemas.openxmlformats.org/presentationml/2006/main">
   <p:cSld>
     <p:bg>
@@ -8638,7 +10003,7 @@
 </p:sld>
 </file>
 
-<file path=ppt/slides/slide23.xml><?xml version="1.0" encoding="utf-8"?>
+<file path=ppt/slides/slide27.xml><?xml version="1.0" encoding="utf-8"?>
 <p:sld xmlns:a="http://schemas.openxmlformats.org/drawingml/2006/main" xmlns:r="http://schemas.openxmlformats.org/officeDocument/2006/relationships" xmlns:p="http://schemas.openxmlformats.org/presentationml/2006/main">
   <p:cSld>
     <p:bg>
@@ -8810,7 +10175,7 @@
 </p:sld>
 </file>
 
-<file path=ppt/slides/slide24.xml><?xml version="1.0" encoding="utf-8"?>
+<file path=ppt/slides/slide28.xml><?xml version="1.0" encoding="utf-8"?>
 <p:sld xmlns:a="http://schemas.openxmlformats.org/drawingml/2006/main" xmlns:r="http://schemas.openxmlformats.org/officeDocument/2006/relationships" xmlns:p="http://schemas.openxmlformats.org/presentationml/2006/main">
   <p:cSld>
     <p:bg>
@@ -8911,7 +10276,7 @@
 </p:sld>
 </file>
 
-<file path=ppt/slides/slide25.xml><?xml version="1.0" encoding="utf-8"?>
+<file path=ppt/slides/slide29.xml><?xml version="1.0" encoding="utf-8"?>
 <p:sld xmlns:a="http://schemas.openxmlformats.org/drawingml/2006/main" xmlns:r="http://schemas.openxmlformats.org/officeDocument/2006/relationships" xmlns:p="http://schemas.openxmlformats.org/presentationml/2006/main">
   <p:cSld>
     <p:bg>
@@ -8941,7 +10306,7 @@
           <p:cNvPr id="2" name="Title 1">
             <a:extLst>
               <a:ext uri="{FF2B5EF4-FFF2-40B4-BE49-F238E27FC236}">
-                <a16:creationId xmlns:a16="http://schemas.microsoft.com/office/drawing/2014/main" id="{6BFFAC51-2EA1-4598-A950-A41F0A1CF65B}"/>
+                <a16:creationId xmlns:a16="http://schemas.microsoft.com/office/drawing/2014/main" id="{2C55FDD6-0F37-49FF-BD0A-89E709334A3C}"/>
               </a:ext>
             </a:extLst>
           </p:cNvPr>
@@ -8958,18 +10323,25 @@
           <a:lstStyle/>
           <a:p>
             <a:r>
-              <a:rPr lang="en-AU" dirty="0"/>
-              <a:t>Which one do you use?</a:t>
-            </a:r>
-          </a:p>
-        </p:txBody>
-      </p:sp>
-      <p:sp>
-        <p:nvSpPr>
-          <p:cNvPr id="3" name="Content Placeholder 2">
+              <a:rPr lang="en-US" dirty="0"/>
+              <a:t>Example:</a:t>
+            </a:r>
+            <a:br>
+              <a:rPr lang="en-US" dirty="0"/>
+            </a:br>
+            <a:r>
+              <a:rPr lang="en-US" dirty="0"/>
+              <a:t>Orleans</a:t>
+            </a:r>
+          </a:p>
+        </p:txBody>
+      </p:sp>
+      <p:sp>
+        <p:nvSpPr>
+          <p:cNvPr id="3" name="Text Placeholder 2">
             <a:extLst>
               <a:ext uri="{FF2B5EF4-FFF2-40B4-BE49-F238E27FC236}">
-                <a16:creationId xmlns:a16="http://schemas.microsoft.com/office/drawing/2014/main" id="{3C0F2BEC-F6D9-4D73-88F1-F970EC052E9C}"/>
+                <a16:creationId xmlns:a16="http://schemas.microsoft.com/office/drawing/2014/main" id="{86A6D149-1745-412B-80EA-1D198E23CA4B}"/>
               </a:ext>
             </a:extLst>
           </p:cNvPr>
@@ -8977,7 +10349,7 @@
             <a:spLocks noGrp="1"/>
           </p:cNvSpPr>
           <p:nvPr>
-            <p:ph idx="1"/>
+            <p:ph type="body" idx="1"/>
           </p:nvPr>
         </p:nvSpPr>
         <p:spPr/>
@@ -8985,267 +10357,14 @@
           <a:bodyPr/>
           <a:lstStyle/>
           <a:p>
-            <a:r>
-              <a:rPr lang="en-AU" dirty="0"/>
-              <a:t>Usually: Roslyn</a:t>
-            </a:r>
-          </a:p>
-          <a:p>
-            <a:r>
-              <a:rPr lang="en-AU" dirty="0"/>
-              <a:t>When necessary: IL</a:t>
-            </a:r>
+            <a:endParaRPr lang="en-US" dirty="0"/>
           </a:p>
         </p:txBody>
       </p:sp>
     </p:spTree>
     <p:extLst>
       <p:ext uri="{BB962C8B-B14F-4D97-AF65-F5344CB8AC3E}">
-        <p14:creationId xmlns:p14="http://schemas.microsoft.com/office/powerpoint/2010/main" val="164969318"/>
-      </p:ext>
-    </p:extLst>
-  </p:cSld>
-  <p:clrMapOvr>
-    <a:masterClrMapping/>
-  </p:clrMapOvr>
-</p:sld>
-</file>
-
-<file path=ppt/slides/slide26.xml><?xml version="1.0" encoding="utf-8"?>
-<p:sld xmlns:a="http://schemas.openxmlformats.org/drawingml/2006/main" xmlns:r="http://schemas.openxmlformats.org/officeDocument/2006/relationships" xmlns:p="http://schemas.openxmlformats.org/presentationml/2006/main">
-  <p:cSld>
-    <p:spTree>
-      <p:nvGrpSpPr>
-        <p:cNvPr id="1" name=""/>
-        <p:cNvGrpSpPr/>
-        <p:nvPr/>
-      </p:nvGrpSpPr>
-      <p:grpSpPr>
-        <a:xfrm>
-          <a:off x="0" y="0"/>
-          <a:ext cx="0" cy="0"/>
-          <a:chOff x="0" y="0"/>
-          <a:chExt cx="0" cy="0"/>
-        </a:xfrm>
-      </p:grpSpPr>
-      <p:pic>
-        <p:nvPicPr>
-          <p:cNvPr id="9" name="Content Placeholder 8" descr="A person looking at the camera&#10;&#10;Description generated with very high confidence">
-            <a:extLst>
-              <a:ext uri="{FF2B5EF4-FFF2-40B4-BE49-F238E27FC236}">
-                <a16:creationId xmlns:a16="http://schemas.microsoft.com/office/drawing/2014/main" id="{E77BB63F-7907-4CCC-9E1B-8F8B65C5F1CE}"/>
-              </a:ext>
-            </a:extLst>
-          </p:cNvPr>
-          <p:cNvPicPr>
-            <a:picLocks noGrp="1" noChangeAspect="1"/>
-          </p:cNvPicPr>
-          <p:nvPr>
-            <p:ph idx="1"/>
-          </p:nvPr>
-        </p:nvPicPr>
-        <p:blipFill>
-          <a:blip r:embed="rId2">
-            <a:extLst>
-              <a:ext uri="{28A0092B-C50C-407E-A947-70E740481C1C}">
-                <a14:useLocalDpi xmlns:a14="http://schemas.microsoft.com/office/drawing/2010/main" val="0"/>
-              </a:ext>
-            </a:extLst>
-          </a:blip>
-          <a:stretch>
-            <a:fillRect/>
-          </a:stretch>
-        </p:blipFill>
-        <p:spPr>
-          <a:xfrm>
-            <a:off x="286936" y="983974"/>
-            <a:ext cx="11618128" cy="4890052"/>
-          </a:xfrm>
-        </p:spPr>
-      </p:pic>
-      <p:sp>
-        <p:nvSpPr>
-          <p:cNvPr id="10" name="TextBox 9">
-            <a:extLst>
-              <a:ext uri="{FF2B5EF4-FFF2-40B4-BE49-F238E27FC236}">
-                <a16:creationId xmlns:a16="http://schemas.microsoft.com/office/drawing/2014/main" id="{C3A03E4D-0DD2-4E85-B58D-1446E0290349}"/>
-              </a:ext>
-            </a:extLst>
-          </p:cNvPr>
-          <p:cNvSpPr txBox="1"/>
-          <p:nvPr/>
-        </p:nvSpPr>
-        <p:spPr>
-          <a:xfrm>
-            <a:off x="286936" y="5618774"/>
-            <a:ext cx="8638402" cy="830997"/>
-          </a:xfrm>
-          <a:prstGeom prst="rect">
-            <a:avLst/>
-          </a:prstGeom>
-          <a:noFill/>
-        </p:spPr>
-        <p:txBody>
-          <a:bodyPr wrap="square" rtlCol="0">
-            <a:spAutoFit/>
-          </a:bodyPr>
-          <a:lstStyle/>
-          <a:p>
-            <a:r>
-              <a:rPr lang="en-AU" sz="2400" dirty="0">
-                <a:solidFill>
-                  <a:schemeClr val="accent5"/>
-                </a:solidFill>
-              </a:rPr>
-              <a:t>https://reubenbond.github.io/posts/codegen-1</a:t>
-            </a:r>
-          </a:p>
-          <a:p>
-            <a:r>
-              <a:rPr lang="en-AU" sz="2400" dirty="0">
-                <a:solidFill>
-                  <a:schemeClr val="accent5"/>
-                </a:solidFill>
-              </a:rPr>
-              <a:t>https://reubenbond.github.io/posts/codegen-2-il-boogaloo</a:t>
-            </a:r>
-          </a:p>
-        </p:txBody>
-      </p:sp>
-      <p:sp>
-        <p:nvSpPr>
-          <p:cNvPr id="11" name="TextBox 10">
-            <a:extLst>
-              <a:ext uri="{FF2B5EF4-FFF2-40B4-BE49-F238E27FC236}">
-                <a16:creationId xmlns:a16="http://schemas.microsoft.com/office/drawing/2014/main" id="{E6E6B0C4-874E-41C2-9B12-0F7524145AC8}"/>
-              </a:ext>
-            </a:extLst>
-          </p:cNvPr>
-          <p:cNvSpPr txBox="1"/>
-          <p:nvPr/>
-        </p:nvSpPr>
-        <p:spPr>
-          <a:xfrm>
-            <a:off x="8534400" y="5210547"/>
-            <a:ext cx="3657600" cy="1647453"/>
-          </a:xfrm>
-          <a:prstGeom prst="rect">
-            <a:avLst/>
-          </a:prstGeom>
-          <a:noFill/>
-        </p:spPr>
-        <p:txBody>
-          <a:bodyPr wrap="square" lIns="720000" tIns="720000" rIns="360000" bIns="180000" rtlCol="0">
-            <a:spAutoFit/>
-          </a:bodyPr>
-          <a:lstStyle/>
-          <a:p>
-            <a:pPr algn="r">
-              <a:spcAft>
-                <a:spcPts val="2400"/>
-              </a:spcAft>
-            </a:pPr>
-            <a:r>
-              <a:rPr lang="en-AU" sz="4800" cap="small" dirty="0">
-                <a:solidFill>
-                  <a:schemeClr val="tx1">
-                    <a:alpha val="30000"/>
-                  </a:schemeClr>
-                </a:solidFill>
-              </a:rPr>
-              <a:t>Thank You</a:t>
-            </a:r>
-          </a:p>
-        </p:txBody>
-      </p:sp>
-    </p:spTree>
-    <p:extLst>
-      <p:ext uri="{BB962C8B-B14F-4D97-AF65-F5344CB8AC3E}">
-        <p14:creationId xmlns:p14="http://schemas.microsoft.com/office/powerpoint/2010/main" val="1681713533"/>
-      </p:ext>
-    </p:extLst>
-  </p:cSld>
-  <p:clrMapOvr>
-    <a:masterClrMapping/>
-  </p:clrMapOvr>
-</p:sld>
-</file>
-
-<file path=ppt/slides/slide27.xml><?xml version="1.0" encoding="utf-8"?>
-<p:sld xmlns:a="http://schemas.openxmlformats.org/drawingml/2006/main" xmlns:r="http://schemas.openxmlformats.org/officeDocument/2006/relationships" xmlns:p="http://schemas.openxmlformats.org/presentationml/2006/main" show="0">
-  <p:cSld>
-    <p:bg>
-      <p:bgPr>
-        <a:solidFill>
-          <a:srgbClr val="171717"/>
-        </a:solidFill>
-        <a:effectLst/>
-      </p:bgPr>
-    </p:bg>
-    <p:spTree>
-      <p:nvGrpSpPr>
-        <p:cNvPr id="1" name=""/>
-        <p:cNvGrpSpPr/>
-        <p:nvPr/>
-      </p:nvGrpSpPr>
-      <p:grpSpPr>
-        <a:xfrm>
-          <a:off x="0" y="0"/>
-          <a:ext cx="0" cy="0"/>
-          <a:chOff x="0" y="0"/>
-          <a:chExt cx="0" cy="0"/>
-        </a:xfrm>
-      </p:grpSpPr>
-      <p:sp>
-        <p:nvSpPr>
-          <p:cNvPr id="9" name="TextBox 8">
-            <a:extLst>
-              <a:ext uri="{FF2B5EF4-FFF2-40B4-BE49-F238E27FC236}">
-                <a16:creationId xmlns:a16="http://schemas.microsoft.com/office/drawing/2014/main" id="{7427A4C8-F069-4B02-914E-54868E2E1AE0}"/>
-              </a:ext>
-            </a:extLst>
-          </p:cNvPr>
-          <p:cNvSpPr txBox="1"/>
-          <p:nvPr/>
-        </p:nvSpPr>
-        <p:spPr>
-          <a:xfrm>
-            <a:off x="8534400" y="5210547"/>
-            <a:ext cx="3657600" cy="1647453"/>
-          </a:xfrm>
-          <a:prstGeom prst="rect">
-            <a:avLst/>
-          </a:prstGeom>
-          <a:noFill/>
-        </p:spPr>
-        <p:txBody>
-          <a:bodyPr wrap="square" lIns="720000" tIns="720000" rIns="360000" bIns="180000" rtlCol="0">
-            <a:spAutoFit/>
-          </a:bodyPr>
-          <a:lstStyle/>
-          <a:p>
-            <a:pPr algn="r">
-              <a:spcAft>
-                <a:spcPts val="2400"/>
-              </a:spcAft>
-            </a:pPr>
-            <a:r>
-              <a:rPr lang="en-AU" sz="4800" cap="small" dirty="0">
-                <a:solidFill>
-                  <a:schemeClr val="tx1">
-                    <a:alpha val="30000"/>
-                  </a:schemeClr>
-                </a:solidFill>
-              </a:rPr>
-              <a:t>What</a:t>
-            </a:r>
-          </a:p>
-        </p:txBody>
-      </p:sp>
-    </p:spTree>
-    <p:extLst>
-      <p:ext uri="{BB962C8B-B14F-4D97-AF65-F5344CB8AC3E}">
-        <p14:creationId xmlns:p14="http://schemas.microsoft.com/office/powerpoint/2010/main" val="3246824172"/>
+        <p14:creationId xmlns:p14="http://schemas.microsoft.com/office/powerpoint/2010/main" val="4161024634"/>
       </p:ext>
     </p:extLst>
   </p:cSld>
@@ -9382,7 +10501,7 @@
 </p:sld>
 </file>
 
-<file path=ppt/slides/slide4.xml><?xml version="1.0" encoding="utf-8"?>
+<file path=ppt/slides/slide30.xml><?xml version="1.0" encoding="utf-8"?>
 <p:sld xmlns:a="http://schemas.openxmlformats.org/drawingml/2006/main" xmlns:r="http://schemas.openxmlformats.org/officeDocument/2006/relationships" xmlns:p="http://schemas.openxmlformats.org/presentationml/2006/main">
   <p:cSld>
     <p:bg>
@@ -9412,7 +10531,7 @@
           <p:cNvPr id="2" name="Title 1">
             <a:extLst>
               <a:ext uri="{FF2B5EF4-FFF2-40B4-BE49-F238E27FC236}">
-                <a16:creationId xmlns:a16="http://schemas.microsoft.com/office/drawing/2014/main" id="{57455619-559A-4B47-9161-85FDF0C283A8}"/>
+                <a16:creationId xmlns:a16="http://schemas.microsoft.com/office/drawing/2014/main" id="{6BFFAC51-2EA1-4598-A950-A41F0A1CF65B}"/>
               </a:ext>
             </a:extLst>
           </p:cNvPr>
@@ -9430,17 +10549,81 @@
           <a:p>
             <a:r>
               <a:rPr lang="en-AU" dirty="0"/>
-              <a:t>Code Generation is…</a:t>
-            </a:r>
-          </a:p>
-        </p:txBody>
-      </p:sp>
+              <a:t>Which one do you use?</a:t>
+            </a:r>
+          </a:p>
+        </p:txBody>
+      </p:sp>
+      <p:sp>
+        <p:nvSpPr>
+          <p:cNvPr id="3" name="Content Placeholder 2">
+            <a:extLst>
+              <a:ext uri="{FF2B5EF4-FFF2-40B4-BE49-F238E27FC236}">
+                <a16:creationId xmlns:a16="http://schemas.microsoft.com/office/drawing/2014/main" id="{3C0F2BEC-F6D9-4D73-88F1-F970EC052E9C}"/>
+              </a:ext>
+            </a:extLst>
+          </p:cNvPr>
+          <p:cNvSpPr>
+            <a:spLocks noGrp="1"/>
+          </p:cNvSpPr>
+          <p:nvPr>
+            <p:ph idx="1"/>
+          </p:nvPr>
+        </p:nvSpPr>
+        <p:spPr/>
+        <p:txBody>
+          <a:bodyPr/>
+          <a:lstStyle/>
+          <a:p>
+            <a:r>
+              <a:rPr lang="en-AU" dirty="0"/>
+              <a:t>Usually: Roslyn</a:t>
+            </a:r>
+          </a:p>
+          <a:p>
+            <a:r>
+              <a:rPr lang="en-AU" dirty="0"/>
+              <a:t>When necessary: IL</a:t>
+            </a:r>
+          </a:p>
+        </p:txBody>
+      </p:sp>
+    </p:spTree>
+    <p:extLst>
+      <p:ext uri="{BB962C8B-B14F-4D97-AF65-F5344CB8AC3E}">
+        <p14:creationId xmlns:p14="http://schemas.microsoft.com/office/powerpoint/2010/main" val="164969318"/>
+      </p:ext>
+    </p:extLst>
+  </p:cSld>
+  <p:clrMapOvr>
+    <a:masterClrMapping/>
+  </p:clrMapOvr>
+</p:sld>
+</file>
+
+<file path=ppt/slides/slide31.xml><?xml version="1.0" encoding="utf-8"?>
+<p:sld xmlns:a="http://schemas.openxmlformats.org/drawingml/2006/main" xmlns:r="http://schemas.openxmlformats.org/officeDocument/2006/relationships" xmlns:p="http://schemas.openxmlformats.org/presentationml/2006/main">
+  <p:cSld>
+    <p:spTree>
+      <p:nvGrpSpPr>
+        <p:cNvPr id="1" name=""/>
+        <p:cNvGrpSpPr/>
+        <p:nvPr/>
+      </p:nvGrpSpPr>
+      <p:grpSpPr>
+        <a:xfrm>
+          <a:off x="0" y="0"/>
+          <a:ext cx="0" cy="0"/>
+          <a:chOff x="0" y="0"/>
+          <a:chExt cx="0" cy="0"/>
+        </a:xfrm>
+      </p:grpSpPr>
       <p:pic>
         <p:nvPicPr>
-          <p:cNvPr id="5" name="Content Placeholder 4">
+          <p:cNvPr id="9" name="Content Placeholder 8" descr="A person looking at the camera&#10;&#10;Description generated with very high confidence">
             <a:extLst>
               <a:ext uri="{FF2B5EF4-FFF2-40B4-BE49-F238E27FC236}">
-                <a16:creationId xmlns:a16="http://schemas.microsoft.com/office/drawing/2014/main" id="{5CD0FEA0-254C-492F-9CB9-EBF62AE837B0}"/>
+                <a16:creationId xmlns:a16="http://schemas.microsoft.com/office/drawing/2014/main" id="{E77BB63F-7907-4CCC-9E1B-8F8B65C5F1CE}"/>
               </a:ext>
             </a:extLst>
           </p:cNvPr>
@@ -9452,27 +10635,163 @@
           </p:nvPr>
         </p:nvPicPr>
         <p:blipFill>
-          <a:blip r:embed="rId2"/>
+          <a:blip r:embed="rId2">
+            <a:extLst>
+              <a:ext uri="{28A0092B-C50C-407E-A947-70E740481C1C}">
+                <a14:useLocalDpi xmlns:a14="http://schemas.microsoft.com/office/drawing/2010/main" val="0"/>
+              </a:ext>
+            </a:extLst>
+          </a:blip>
           <a:stretch>
             <a:fillRect/>
           </a:stretch>
         </p:blipFill>
         <p:spPr>
           <a:xfrm>
-            <a:off x="2333347" y="1358348"/>
-            <a:ext cx="7525305" cy="4646843"/>
+            <a:off x="286936" y="983974"/>
+            <a:ext cx="11618128" cy="4890052"/>
+          </a:xfrm>
+        </p:spPr>
+      </p:pic>
+      <p:sp>
+        <p:nvSpPr>
+          <p:cNvPr id="10" name="TextBox 9">
+            <a:extLst>
+              <a:ext uri="{FF2B5EF4-FFF2-40B4-BE49-F238E27FC236}">
+                <a16:creationId xmlns:a16="http://schemas.microsoft.com/office/drawing/2014/main" id="{C3A03E4D-0DD2-4E85-B58D-1446E0290349}"/>
+              </a:ext>
+            </a:extLst>
+          </p:cNvPr>
+          <p:cNvSpPr txBox="1"/>
+          <p:nvPr/>
+        </p:nvSpPr>
+        <p:spPr>
+          <a:xfrm>
+            <a:off x="286936" y="5618774"/>
+            <a:ext cx="8638402" cy="830997"/>
           </a:xfrm>
           <a:prstGeom prst="rect">
             <a:avLst/>
           </a:prstGeom>
+          <a:noFill/>
         </p:spPr>
-      </p:pic>
-      <p:sp>
-        <p:nvSpPr>
-          <p:cNvPr id="4" name="TextBox 3">
+        <p:txBody>
+          <a:bodyPr wrap="square" rtlCol="0">
+            <a:spAutoFit/>
+          </a:bodyPr>
+          <a:lstStyle/>
+          <a:p>
+            <a:r>
+              <a:rPr lang="en-AU" sz="2400" dirty="0">
+                <a:solidFill>
+                  <a:schemeClr val="accent5"/>
+                </a:solidFill>
+              </a:rPr>
+              <a:t>https://reubenbond.github.io/posts/codegen-1</a:t>
+            </a:r>
+          </a:p>
+          <a:p>
+            <a:r>
+              <a:rPr lang="en-AU" sz="2400" dirty="0">
+                <a:solidFill>
+                  <a:schemeClr val="accent5"/>
+                </a:solidFill>
+              </a:rPr>
+              <a:t>https://reubenbond.github.io/posts/codegen-2-il-boogaloo</a:t>
+            </a:r>
+          </a:p>
+        </p:txBody>
+      </p:sp>
+      <p:sp>
+        <p:nvSpPr>
+          <p:cNvPr id="11" name="TextBox 10">
             <a:extLst>
               <a:ext uri="{FF2B5EF4-FFF2-40B4-BE49-F238E27FC236}">
-                <a16:creationId xmlns:a16="http://schemas.microsoft.com/office/drawing/2014/main" id="{A5A2BE6E-ECA3-4B36-9AB1-BB9253AB5740}"/>
+                <a16:creationId xmlns:a16="http://schemas.microsoft.com/office/drawing/2014/main" id="{E6E6B0C4-874E-41C2-9B12-0F7524145AC8}"/>
+              </a:ext>
+            </a:extLst>
+          </p:cNvPr>
+          <p:cNvSpPr txBox="1"/>
+          <p:nvPr/>
+        </p:nvSpPr>
+        <p:spPr>
+          <a:xfrm>
+            <a:off x="6504834" y="5210547"/>
+            <a:ext cx="5687166" cy="1647453"/>
+          </a:xfrm>
+          <a:prstGeom prst="rect">
+            <a:avLst/>
+          </a:prstGeom>
+          <a:noFill/>
+        </p:spPr>
+        <p:txBody>
+          <a:bodyPr wrap="square" lIns="720000" tIns="720000" rIns="360000" bIns="180000" rtlCol="0">
+            <a:spAutoFit/>
+          </a:bodyPr>
+          <a:lstStyle/>
+          <a:p>
+            <a:pPr algn="r">
+              <a:spcAft>
+                <a:spcPts val="2400"/>
+              </a:spcAft>
+            </a:pPr>
+            <a:r>
+              <a:rPr lang="en-AU" sz="4800" cap="small" dirty="0">
+                <a:solidFill>
+                  <a:schemeClr val="tx1">
+                    <a:alpha val="30000"/>
+                  </a:schemeClr>
+                </a:solidFill>
+              </a:rPr>
+              <a:t>Thank You</a:t>
+            </a:r>
+          </a:p>
+        </p:txBody>
+      </p:sp>
+    </p:spTree>
+    <p:extLst>
+      <p:ext uri="{BB962C8B-B14F-4D97-AF65-F5344CB8AC3E}">
+        <p14:creationId xmlns:p14="http://schemas.microsoft.com/office/powerpoint/2010/main" val="1681713533"/>
+      </p:ext>
+    </p:extLst>
+  </p:cSld>
+  <p:clrMapOvr>
+    <a:masterClrMapping/>
+  </p:clrMapOvr>
+</p:sld>
+</file>
+
+<file path=ppt/slides/slide32.xml><?xml version="1.0" encoding="utf-8"?>
+<p:sld xmlns:a="http://schemas.openxmlformats.org/drawingml/2006/main" xmlns:r="http://schemas.openxmlformats.org/officeDocument/2006/relationships" xmlns:p="http://schemas.openxmlformats.org/presentationml/2006/main" show="0">
+  <p:cSld>
+    <p:bg>
+      <p:bgPr>
+        <a:solidFill>
+          <a:srgbClr val="171717"/>
+        </a:solidFill>
+        <a:effectLst/>
+      </p:bgPr>
+    </p:bg>
+    <p:spTree>
+      <p:nvGrpSpPr>
+        <p:cNvPr id="1" name=""/>
+        <p:cNvGrpSpPr/>
+        <p:nvPr/>
+      </p:nvGrpSpPr>
+      <p:grpSpPr>
+        <a:xfrm>
+          <a:off x="0" y="0"/>
+          <a:ext cx="0" cy="0"/>
+          <a:chOff x="0" y="0"/>
+          <a:chExt cx="0" cy="0"/>
+        </a:xfrm>
+      </p:grpSpPr>
+      <p:sp>
+        <p:nvSpPr>
+          <p:cNvPr id="9" name="TextBox 8">
+            <a:extLst>
+              <a:ext uri="{FF2B5EF4-FFF2-40B4-BE49-F238E27FC236}">
+                <a16:creationId xmlns:a16="http://schemas.microsoft.com/office/drawing/2014/main" id="{7427A4C8-F069-4B02-914E-54868E2E1AE0}"/>
               </a:ext>
             </a:extLst>
           </p:cNvPr>
@@ -9513,84 +10832,76 @@
           </a:p>
         </p:txBody>
       </p:sp>
-      <p:sp>
-        <p:nvSpPr>
-          <p:cNvPr id="7" name="Title 1">
+    </p:spTree>
+    <p:extLst>
+      <p:ext uri="{BB962C8B-B14F-4D97-AF65-F5344CB8AC3E}">
+        <p14:creationId xmlns:p14="http://schemas.microsoft.com/office/powerpoint/2010/main" val="3246824172"/>
+      </p:ext>
+    </p:extLst>
+  </p:cSld>
+  <p:clrMapOvr>
+    <a:masterClrMapping/>
+  </p:clrMapOvr>
+</p:sld>
+</file>
+
+<file path=ppt/slides/slide4.xml><?xml version="1.0" encoding="utf-8"?>
+<p:sld xmlns:a="http://schemas.openxmlformats.org/drawingml/2006/main" xmlns:r="http://schemas.openxmlformats.org/officeDocument/2006/relationships" xmlns:p="http://schemas.openxmlformats.org/presentationml/2006/main">
+  <p:cSld>
+    <p:spTree>
+      <p:nvGrpSpPr>
+        <p:cNvPr id="1" name=""/>
+        <p:cNvGrpSpPr/>
+        <p:nvPr/>
+      </p:nvGrpSpPr>
+      <p:grpSpPr>
+        <a:xfrm>
+          <a:off x="0" y="0"/>
+          <a:ext cx="0" cy="0"/>
+          <a:chOff x="0" y="0"/>
+          <a:chExt cx="0" cy="0"/>
+        </a:xfrm>
+      </p:grpSpPr>
+      <p:pic>
+        <p:nvPicPr>
+          <p:cNvPr id="5" name="Picture 4">
             <a:extLst>
               <a:ext uri="{FF2B5EF4-FFF2-40B4-BE49-F238E27FC236}">
-                <a16:creationId xmlns:a16="http://schemas.microsoft.com/office/drawing/2014/main" id="{0AC16679-2522-49E6-9AA3-49B00BFA5847}"/>
+                <a16:creationId xmlns:a16="http://schemas.microsoft.com/office/drawing/2014/main" id="{598A8E0B-DC26-4EDB-920E-1F23FC41DC5E}"/>
               </a:ext>
             </a:extLst>
           </p:cNvPr>
-          <p:cNvSpPr txBox="1">
-            <a:spLocks/>
-          </p:cNvSpPr>
+          <p:cNvPicPr>
+            <a:picLocks noChangeAspect="1"/>
+          </p:cNvPicPr>
           <p:nvPr/>
-        </p:nvSpPr>
+        </p:nvPicPr>
+        <p:blipFill>
+          <a:blip r:embed="rId3">
+            <a:extLst>
+              <a:ext uri="{28A0092B-C50C-407E-A947-70E740481C1C}">
+                <a14:useLocalDpi xmlns:a14="http://schemas.microsoft.com/office/drawing/2010/main" val="0"/>
+              </a:ext>
+            </a:extLst>
+          </a:blip>
+          <a:stretch>
+            <a:fillRect/>
+          </a:stretch>
+        </p:blipFill>
         <p:spPr>
-          <a:xfrm rot="20076372">
-            <a:off x="5771689" y="3018986"/>
-            <a:ext cx="4404371" cy="1325563"/>
+          <a:xfrm>
+            <a:off x="0" y="0"/>
+            <a:ext cx="12192000" cy="6858000"/>
           </a:xfrm>
           <a:prstGeom prst="rect">
             <a:avLst/>
           </a:prstGeom>
         </p:spPr>
-        <p:txBody>
-          <a:bodyPr vert="horz" lIns="91440" tIns="45720" rIns="91440" bIns="45720" rtlCol="0" anchor="ctr">
-            <a:normAutofit/>
-          </a:bodyPr>
-          <a:lstStyle>
-            <a:lvl1pPr algn="l" defTabSz="914400" rtl="0" eaLnBrk="1" latinLnBrk="0" hangingPunct="1">
-              <a:lnSpc>
-                <a:spcPct val="90000"/>
-              </a:lnSpc>
-              <a:spcBef>
-                <a:spcPct val="0"/>
-              </a:spcBef>
-              <a:buNone/>
-              <a:defRPr sz="4400" kern="1200">
-                <a:solidFill>
-                  <a:schemeClr val="tx1"/>
-                </a:solidFill>
-                <a:latin typeface="+mj-lt"/>
-                <a:ea typeface="+mj-ea"/>
-                <a:cs typeface="+mj-cs"/>
-              </a:defRPr>
-            </a:lvl1pPr>
-          </a:lstStyle>
-          <a:p>
-            <a:r>
-              <a:rPr lang="en-US" altLang="zh-CN" b="1" dirty="0">
-                <a:solidFill>
-                  <a:srgbClr val="FF0000"/>
-                </a:solidFill>
-                <a:latin typeface="Arial Black" panose="020B0A04020102020204" pitchFamily="34" charset="0"/>
-              </a:rPr>
-              <a:t>Not </a:t>
-            </a:r>
-            <a:r>
-              <a:rPr lang="en-AU" altLang="zh-CN" b="1" dirty="0">
-                <a:solidFill>
-                  <a:srgbClr val="FF0000"/>
-                </a:solidFill>
-                <a:latin typeface="Arial Black" panose="020B0A04020102020204" pitchFamily="34" charset="0"/>
-              </a:rPr>
-              <a:t>this kind!</a:t>
-            </a:r>
-            <a:endParaRPr lang="en-AU" b="1" dirty="0">
-              <a:solidFill>
-                <a:srgbClr val="FF0000"/>
-              </a:solidFill>
-              <a:latin typeface="Arial Black" panose="020B0A04020102020204" pitchFamily="34" charset="0"/>
-            </a:endParaRPr>
-          </a:p>
-        </p:txBody>
-      </p:sp>
+      </p:pic>
     </p:spTree>
     <p:extLst>
       <p:ext uri="{BB962C8B-B14F-4D97-AF65-F5344CB8AC3E}">
-        <p14:creationId xmlns:p14="http://schemas.microsoft.com/office/powerpoint/2010/main" val="3535466197"/>
+        <p14:creationId xmlns:p14="http://schemas.microsoft.com/office/powerpoint/2010/main" val="3107060766"/>
       </p:ext>
     </p:extLst>
   </p:cSld>
@@ -9625,6 +10936,80 @@
           <a:chExt cx="0" cy="0"/>
         </a:xfrm>
       </p:grpSpPr>
+      <p:pic>
+        <p:nvPicPr>
+          <p:cNvPr id="5" name="Picture 4">
+            <a:extLst>
+              <a:ext uri="{FF2B5EF4-FFF2-40B4-BE49-F238E27FC236}">
+                <a16:creationId xmlns:a16="http://schemas.microsoft.com/office/drawing/2014/main" id="{3BB45BA6-7A1E-407B-93F9-A42041A7EBE7}"/>
+              </a:ext>
+            </a:extLst>
+          </p:cNvPr>
+          <p:cNvPicPr>
+            <a:picLocks noChangeAspect="1"/>
+          </p:cNvPicPr>
+          <p:nvPr/>
+        </p:nvPicPr>
+        <p:blipFill>
+          <a:blip r:embed="rId3">
+            <a:extLst>
+              <a:ext uri="{28A0092B-C50C-407E-A947-70E740481C1C}">
+                <a14:useLocalDpi xmlns:a14="http://schemas.microsoft.com/office/drawing/2010/main" val="0"/>
+              </a:ext>
+            </a:extLst>
+          </a:blip>
+          <a:stretch>
+            <a:fillRect/>
+          </a:stretch>
+        </p:blipFill>
+        <p:spPr>
+          <a:xfrm>
+            <a:off x="0" y="848360"/>
+            <a:ext cx="12192000" cy="5161280"/>
+          </a:xfrm>
+          <a:prstGeom prst="rect">
+            <a:avLst/>
+          </a:prstGeom>
+        </p:spPr>
+      </p:pic>
+    </p:spTree>
+    <p:extLst>
+      <p:ext uri="{BB962C8B-B14F-4D97-AF65-F5344CB8AC3E}">
+        <p14:creationId xmlns:p14="http://schemas.microsoft.com/office/powerpoint/2010/main" val="2354888436"/>
+      </p:ext>
+    </p:extLst>
+  </p:cSld>
+  <p:clrMapOvr>
+    <a:masterClrMapping/>
+  </p:clrMapOvr>
+</p:sld>
+</file>
+
+<file path=ppt/slides/slide6.xml><?xml version="1.0" encoding="utf-8"?>
+<p:sld xmlns:a="http://schemas.openxmlformats.org/drawingml/2006/main" xmlns:r="http://schemas.openxmlformats.org/officeDocument/2006/relationships" xmlns:p="http://schemas.openxmlformats.org/presentationml/2006/main">
+  <p:cSld>
+    <p:bg>
+      <p:bgPr>
+        <a:solidFill>
+          <a:srgbClr val="171717"/>
+        </a:solidFill>
+        <a:effectLst/>
+      </p:bgPr>
+    </p:bg>
+    <p:spTree>
+      <p:nvGrpSpPr>
+        <p:cNvPr id="1" name=""/>
+        <p:cNvGrpSpPr/>
+        <p:nvPr/>
+      </p:nvGrpSpPr>
+      <p:grpSpPr>
+        <a:xfrm>
+          <a:off x="0" y="0"/>
+          <a:ext cx="0" cy="0"/>
+          <a:chOff x="0" y="0"/>
+          <a:chExt cx="0" cy="0"/>
+        </a:xfrm>
+      </p:grpSpPr>
       <p:sp>
         <p:nvSpPr>
           <p:cNvPr id="2" name="Title 1">
@@ -9653,48 +11038,174 @@
           </a:p>
         </p:txBody>
       </p:sp>
-      <p:sp>
-        <p:nvSpPr>
-          <p:cNvPr id="4" name="TextBox 3">
+      <p:pic>
+        <p:nvPicPr>
+          <p:cNvPr id="5" name="Content Placeholder 4">
             <a:extLst>
               <a:ext uri="{FF2B5EF4-FFF2-40B4-BE49-F238E27FC236}">
-                <a16:creationId xmlns:a16="http://schemas.microsoft.com/office/drawing/2014/main" id="{A5A2BE6E-ECA3-4B36-9AB1-BB9253AB5740}"/>
+                <a16:creationId xmlns:a16="http://schemas.microsoft.com/office/drawing/2014/main" id="{5CD0FEA0-254C-492F-9CB9-EBF62AE837B0}"/>
               </a:ext>
             </a:extLst>
           </p:cNvPr>
-          <p:cNvSpPr txBox="1"/>
-          <p:nvPr/>
-        </p:nvSpPr>
+          <p:cNvPicPr>
+            <a:picLocks noGrp="1" noChangeAspect="1"/>
+          </p:cNvPicPr>
+          <p:nvPr>
+            <p:ph idx="1"/>
+          </p:nvPr>
+        </p:nvPicPr>
+        <p:blipFill>
+          <a:blip r:embed="rId2"/>
+          <a:stretch>
+            <a:fillRect/>
+          </a:stretch>
+        </p:blipFill>
         <p:spPr>
           <a:xfrm>
-            <a:off x="8534400" y="5210547"/>
-            <a:ext cx="3657600" cy="1647453"/>
+            <a:off x="2333347" y="1358348"/>
+            <a:ext cx="7525305" cy="4646843"/>
           </a:xfrm>
           <a:prstGeom prst="rect">
             <a:avLst/>
           </a:prstGeom>
-          <a:noFill/>
         </p:spPr>
-        <p:txBody>
-          <a:bodyPr wrap="square" lIns="720000" tIns="720000" rIns="360000" bIns="180000" rtlCol="0">
-            <a:spAutoFit/>
+      </p:pic>
+      <p:sp>
+        <p:nvSpPr>
+          <p:cNvPr id="7" name="Title 1">
+            <a:extLst>
+              <a:ext uri="{FF2B5EF4-FFF2-40B4-BE49-F238E27FC236}">
+                <a16:creationId xmlns:a16="http://schemas.microsoft.com/office/drawing/2014/main" id="{0AC16679-2522-49E6-9AA3-49B00BFA5847}"/>
+              </a:ext>
+            </a:extLst>
+          </p:cNvPr>
+          <p:cNvSpPr txBox="1">
+            <a:spLocks/>
+          </p:cNvSpPr>
+          <p:nvPr/>
+        </p:nvSpPr>
+        <p:spPr>
+          <a:xfrm rot="20076372">
+            <a:off x="5771689" y="3018986"/>
+            <a:ext cx="4404371" cy="1325563"/>
+          </a:xfrm>
+          <a:prstGeom prst="rect">
+            <a:avLst/>
+          </a:prstGeom>
+        </p:spPr>
+        <p:txBody>
+          <a:bodyPr vert="horz" lIns="91440" tIns="45720" rIns="91440" bIns="45720" rtlCol="0" anchor="ctr">
+            <a:normAutofit/>
           </a:bodyPr>
+          <a:lstStyle>
+            <a:lvl1pPr algn="l" defTabSz="914400" rtl="0" eaLnBrk="1" latinLnBrk="0" hangingPunct="1">
+              <a:lnSpc>
+                <a:spcPct val="90000"/>
+              </a:lnSpc>
+              <a:spcBef>
+                <a:spcPct val="0"/>
+              </a:spcBef>
+              <a:buNone/>
+              <a:defRPr sz="4400" kern="1200">
+                <a:solidFill>
+                  <a:schemeClr val="tx1"/>
+                </a:solidFill>
+                <a:latin typeface="+mj-lt"/>
+                <a:ea typeface="+mj-ea"/>
+                <a:cs typeface="+mj-cs"/>
+              </a:defRPr>
+            </a:lvl1pPr>
+          </a:lstStyle>
+          <a:p>
+            <a:r>
+              <a:rPr lang="en-US" altLang="zh-CN" b="1" dirty="0">
+                <a:solidFill>
+                  <a:srgbClr val="FF0000"/>
+                </a:solidFill>
+                <a:latin typeface="Arial Black" panose="020B0A04020102020204" pitchFamily="34" charset="0"/>
+              </a:rPr>
+              <a:t>Not </a:t>
+            </a:r>
+            <a:r>
+              <a:rPr lang="en-AU" altLang="zh-CN" b="1" dirty="0">
+                <a:solidFill>
+                  <a:srgbClr val="FF0000"/>
+                </a:solidFill>
+                <a:latin typeface="Arial Black" panose="020B0A04020102020204" pitchFamily="34" charset="0"/>
+              </a:rPr>
+              <a:t>this kind!</a:t>
+            </a:r>
+            <a:endParaRPr lang="en-AU" b="1" dirty="0">
+              <a:solidFill>
+                <a:srgbClr val="FF0000"/>
+              </a:solidFill>
+              <a:latin typeface="Arial Black" panose="020B0A04020102020204" pitchFamily="34" charset="0"/>
+            </a:endParaRPr>
+          </a:p>
+        </p:txBody>
+      </p:sp>
+    </p:spTree>
+    <p:extLst>
+      <p:ext uri="{BB962C8B-B14F-4D97-AF65-F5344CB8AC3E}">
+        <p14:creationId xmlns:p14="http://schemas.microsoft.com/office/powerpoint/2010/main" val="3535466197"/>
+      </p:ext>
+    </p:extLst>
+  </p:cSld>
+  <p:clrMapOvr>
+    <a:masterClrMapping/>
+  </p:clrMapOvr>
+</p:sld>
+</file>
+
+<file path=ppt/slides/slide7.xml><?xml version="1.0" encoding="utf-8"?>
+<p:sld xmlns:a="http://schemas.openxmlformats.org/drawingml/2006/main" xmlns:r="http://schemas.openxmlformats.org/officeDocument/2006/relationships" xmlns:p="http://schemas.openxmlformats.org/presentationml/2006/main">
+  <p:cSld>
+    <p:bg>
+      <p:bgPr>
+        <a:solidFill>
+          <a:srgbClr val="171717"/>
+        </a:solidFill>
+        <a:effectLst/>
+      </p:bgPr>
+    </p:bg>
+    <p:spTree>
+      <p:nvGrpSpPr>
+        <p:cNvPr id="1" name=""/>
+        <p:cNvGrpSpPr/>
+        <p:nvPr/>
+      </p:nvGrpSpPr>
+      <p:grpSpPr>
+        <a:xfrm>
+          <a:off x="0" y="0"/>
+          <a:ext cx="0" cy="0"/>
+          <a:chOff x="0" y="0"/>
+          <a:chExt cx="0" cy="0"/>
+        </a:xfrm>
+      </p:grpSpPr>
+      <p:sp>
+        <p:nvSpPr>
+          <p:cNvPr id="2" name="Title 1">
+            <a:extLst>
+              <a:ext uri="{FF2B5EF4-FFF2-40B4-BE49-F238E27FC236}">
+                <a16:creationId xmlns:a16="http://schemas.microsoft.com/office/drawing/2014/main" id="{57455619-559A-4B47-9161-85FDF0C283A8}"/>
+              </a:ext>
+            </a:extLst>
+          </p:cNvPr>
+          <p:cNvSpPr>
+            <a:spLocks noGrp="1"/>
+          </p:cNvSpPr>
+          <p:nvPr>
+            <p:ph type="title"/>
+          </p:nvPr>
+        </p:nvSpPr>
+        <p:spPr/>
+        <p:txBody>
+          <a:bodyPr/>
           <a:lstStyle/>
           <a:p>
-            <a:pPr algn="r">
-              <a:spcAft>
-                <a:spcPts val="2400"/>
-              </a:spcAft>
-            </a:pPr>
-            <a:r>
-              <a:rPr lang="en-AU" sz="4800" cap="small" dirty="0">
-                <a:solidFill>
-                  <a:schemeClr val="tx1">
-                    <a:alpha val="30000"/>
-                  </a:schemeClr>
-                </a:solidFill>
-              </a:rPr>
-              <a:t>What</a:t>
+            <a:r>
+              <a:rPr lang="en-AU" dirty="0"/>
+              <a:t>Code Generation is…</a:t>
             </a:r>
           </a:p>
         </p:txBody>
@@ -9962,326 +11473,6 @@
 </p:sld>
 </file>
 
-<file path=ppt/slides/slide6.xml><?xml version="1.0" encoding="utf-8"?>
-<p:sld xmlns:a="http://schemas.openxmlformats.org/drawingml/2006/main" xmlns:r="http://schemas.openxmlformats.org/officeDocument/2006/relationships" xmlns:p="http://schemas.openxmlformats.org/presentationml/2006/main">
-  <p:cSld>
-    <p:bg>
-      <p:bgPr>
-        <a:solidFill>
-          <a:srgbClr val="171717"/>
-        </a:solidFill>
-        <a:effectLst/>
-      </p:bgPr>
-    </p:bg>
-    <p:spTree>
-      <p:nvGrpSpPr>
-        <p:cNvPr id="1" name=""/>
-        <p:cNvGrpSpPr/>
-        <p:nvPr/>
-      </p:nvGrpSpPr>
-      <p:grpSpPr>
-        <a:xfrm>
-          <a:off x="0" y="0"/>
-          <a:ext cx="0" cy="0"/>
-          <a:chOff x="0" y="0"/>
-          <a:chExt cx="0" cy="0"/>
-        </a:xfrm>
-      </p:grpSpPr>
-      <p:sp>
-        <p:nvSpPr>
-          <p:cNvPr id="2" name="Title 1">
-            <a:extLst>
-              <a:ext uri="{FF2B5EF4-FFF2-40B4-BE49-F238E27FC236}">
-                <a16:creationId xmlns:a16="http://schemas.microsoft.com/office/drawing/2014/main" id="{EE596A18-7DDF-4A92-8F12-74CAC08CFF75}"/>
-              </a:ext>
-            </a:extLst>
-          </p:cNvPr>
-          <p:cNvSpPr>
-            <a:spLocks noGrp="1"/>
-          </p:cNvSpPr>
-          <p:nvPr>
-            <p:ph type="title"/>
-          </p:nvPr>
-        </p:nvSpPr>
-        <p:spPr>
-          <a:xfrm>
-            <a:off x="838200" y="365125"/>
-            <a:ext cx="10515600" cy="1325563"/>
-          </a:xfrm>
-        </p:spPr>
-        <p:txBody>
-          <a:bodyPr/>
-          <a:lstStyle/>
-          <a:p>
-            <a:r>
-              <a:rPr lang="en-AU" dirty="0"/>
-              <a:t>Seems obscure…</a:t>
-            </a:r>
-          </a:p>
-        </p:txBody>
-      </p:sp>
-      <p:sp>
-        <p:nvSpPr>
-          <p:cNvPr id="3" name="Content Placeholder 2">
-            <a:extLst>
-              <a:ext uri="{FF2B5EF4-FFF2-40B4-BE49-F238E27FC236}">
-                <a16:creationId xmlns:a16="http://schemas.microsoft.com/office/drawing/2014/main" id="{A1A07A77-8217-4A2A-904A-65F038F123C8}"/>
-              </a:ext>
-            </a:extLst>
-          </p:cNvPr>
-          <p:cNvSpPr>
-            <a:spLocks noGrp="1"/>
-          </p:cNvSpPr>
-          <p:nvPr>
-            <p:ph idx="1"/>
-          </p:nvPr>
-        </p:nvSpPr>
-        <p:spPr/>
-        <p:txBody>
-          <a:bodyPr/>
-          <a:lstStyle/>
-          <a:p>
-            <a:r>
-              <a:rPr lang="en-AU" dirty="0"/>
-              <a:t>Serializers (JSON.NET, </a:t>
-            </a:r>
-            <a:r>
-              <a:rPr lang="en-AU" dirty="0" err="1"/>
-              <a:t>protobuf</a:t>
-            </a:r>
-            <a:r>
-              <a:rPr lang="en-AU" dirty="0"/>
-              <a:t>-net)</a:t>
-            </a:r>
-          </a:p>
-          <a:p>
-            <a:r>
-              <a:rPr lang="en-AU" dirty="0"/>
-              <a:t>RPCs (</a:t>
-            </a:r>
-            <a:r>
-              <a:rPr lang="en-AU" dirty="0" err="1"/>
-              <a:t>gRPC</a:t>
-            </a:r>
-            <a:r>
-              <a:rPr lang="en-AU" dirty="0"/>
-              <a:t>, Orleans)</a:t>
-            </a:r>
-          </a:p>
-          <a:p>
-            <a:r>
-              <a:rPr lang="en-AU" dirty="0"/>
-              <a:t>ORMs (EF, Dapper)</a:t>
-            </a:r>
-          </a:p>
-          <a:p>
-            <a:r>
-              <a:rPr lang="en-AU" dirty="0"/>
-              <a:t>Mocks (</a:t>
-            </a:r>
-            <a:r>
-              <a:rPr lang="en-AU" dirty="0" err="1"/>
-              <a:t>NSubstitute</a:t>
-            </a:r>
-            <a:r>
-              <a:rPr lang="en-AU" dirty="0"/>
-              <a:t>, </a:t>
-            </a:r>
-            <a:r>
-              <a:rPr lang="en-AU" dirty="0" err="1"/>
-              <a:t>Moq</a:t>
-            </a:r>
-            <a:r>
-              <a:rPr lang="en-AU" dirty="0"/>
-              <a:t>)</a:t>
-            </a:r>
-          </a:p>
-          <a:p>
-            <a:r>
-              <a:rPr lang="en-AU" dirty="0"/>
-              <a:t>UI tooling (XAML, Razor)</a:t>
-            </a:r>
-          </a:p>
-          <a:p>
-            <a:r>
-              <a:rPr lang="en-AU" dirty="0"/>
-              <a:t>Dependency Injection</a:t>
-            </a:r>
-          </a:p>
-        </p:txBody>
-      </p:sp>
-      <p:sp>
-        <p:nvSpPr>
-          <p:cNvPr id="4" name="TextBox 3">
-            <a:extLst>
-              <a:ext uri="{FF2B5EF4-FFF2-40B4-BE49-F238E27FC236}">
-                <a16:creationId xmlns:a16="http://schemas.microsoft.com/office/drawing/2014/main" id="{873E8FAF-FA36-426E-86E9-185AED399743}"/>
-              </a:ext>
-            </a:extLst>
-          </p:cNvPr>
-          <p:cNvSpPr txBox="1"/>
-          <p:nvPr/>
-        </p:nvSpPr>
-        <p:spPr>
-          <a:xfrm>
-            <a:off x="8534400" y="5210547"/>
-            <a:ext cx="3657600" cy="1647453"/>
-          </a:xfrm>
-          <a:prstGeom prst="rect">
-            <a:avLst/>
-          </a:prstGeom>
-          <a:noFill/>
-        </p:spPr>
-        <p:txBody>
-          <a:bodyPr wrap="square" lIns="720000" tIns="720000" rIns="360000" bIns="180000" rtlCol="0">
-            <a:spAutoFit/>
-          </a:bodyPr>
-          <a:lstStyle/>
-          <a:p>
-            <a:pPr algn="r">
-              <a:spcAft>
-                <a:spcPts val="2400"/>
-              </a:spcAft>
-            </a:pPr>
-            <a:r>
-              <a:rPr lang="en-AU" sz="4800" cap="small" dirty="0">
-                <a:solidFill>
-                  <a:schemeClr val="tx1">
-                    <a:alpha val="30000"/>
-                  </a:schemeClr>
-                </a:solidFill>
-              </a:rPr>
-              <a:t>Who</a:t>
-            </a:r>
-          </a:p>
-        </p:txBody>
-      </p:sp>
-    </p:spTree>
-    <p:extLst>
-      <p:ext uri="{BB962C8B-B14F-4D97-AF65-F5344CB8AC3E}">
-        <p14:creationId xmlns:p14="http://schemas.microsoft.com/office/powerpoint/2010/main" val="3624396628"/>
-      </p:ext>
-    </p:extLst>
-  </p:cSld>
-  <p:clrMapOvr>
-    <a:masterClrMapping/>
-  </p:clrMapOvr>
-</p:sld>
-</file>
-
-<file path=ppt/slides/slide7.xml><?xml version="1.0" encoding="utf-8"?>
-<p:sld xmlns:a="http://schemas.openxmlformats.org/drawingml/2006/main" xmlns:r="http://schemas.openxmlformats.org/officeDocument/2006/relationships" xmlns:p="http://schemas.openxmlformats.org/presentationml/2006/main">
-  <p:cSld>
-    <p:bg>
-      <p:bgPr>
-        <a:solidFill>
-          <a:srgbClr val="171717"/>
-        </a:solidFill>
-        <a:effectLst/>
-      </p:bgPr>
-    </p:bg>
-    <p:spTree>
-      <p:nvGrpSpPr>
-        <p:cNvPr id="1" name=""/>
-        <p:cNvGrpSpPr/>
-        <p:nvPr/>
-      </p:nvGrpSpPr>
-      <p:grpSpPr>
-        <a:xfrm>
-          <a:off x="0" y="0"/>
-          <a:ext cx="0" cy="0"/>
-          <a:chOff x="0" y="0"/>
-          <a:chExt cx="0" cy="0"/>
-        </a:xfrm>
-      </p:grpSpPr>
-      <p:sp>
-        <p:nvSpPr>
-          <p:cNvPr id="2" name="Title 1">
-            <a:extLst>
-              <a:ext uri="{FF2B5EF4-FFF2-40B4-BE49-F238E27FC236}">
-                <a16:creationId xmlns:a16="http://schemas.microsoft.com/office/drawing/2014/main" id="{5F64C7F0-6B00-4CB9-9F3B-EBC3312462AC}"/>
-              </a:ext>
-            </a:extLst>
-          </p:cNvPr>
-          <p:cNvSpPr>
-            <a:spLocks noGrp="1"/>
-          </p:cNvSpPr>
-          <p:nvPr>
-            <p:ph type="title"/>
-          </p:nvPr>
-        </p:nvSpPr>
-        <p:spPr>
-          <a:xfrm>
-            <a:off x="838200" y="2766218"/>
-            <a:ext cx="10515600" cy="1325563"/>
-          </a:xfrm>
-        </p:spPr>
-        <p:txBody>
-          <a:bodyPr>
-            <a:normAutofit/>
-            <a:scene3d>
-              <a:camera prst="orthographicFront"/>
-              <a:lightRig rig="threePt" dir="t"/>
-            </a:scene3d>
-            <a:sp3d>
-              <a:bevelB w="38100" h="38100"/>
-            </a:sp3d>
-          </a:bodyPr>
-          <a:lstStyle/>
-          <a:p>
-            <a:pPr algn="ctr"/>
-            <a:r>
-              <a:rPr lang="en-AU" sz="4800" dirty="0"/>
-              <a:t>Code gen is </a:t>
-            </a:r>
-            <a:r>
-              <a:rPr lang="en-AU" sz="4800" i="1" dirty="0">
-                <a:solidFill>
-                  <a:srgbClr val="FF0000"/>
-                </a:solidFill>
-              </a:rPr>
-              <a:t>crucial</a:t>
-            </a:r>
-            <a:r>
-              <a:rPr lang="en-AU" sz="4800" i="1" dirty="0"/>
-              <a:t>, but it is not </a:t>
-            </a:r>
-            <a:r>
-              <a:rPr lang="en-AU" sz="4800" i="1" dirty="0">
-                <a:pattFill prst="solidDmnd">
-                  <a:fgClr>
-                    <a:srgbClr val="CC00FF"/>
-                  </a:fgClr>
-                  <a:bgClr>
-                    <a:srgbClr val="FFFF00"/>
-                  </a:bgClr>
-                </a:pattFill>
-                <a:effectLst>
-                  <a:glow rad="228600">
-                    <a:srgbClr val="7030A0">
-                      <a:alpha val="40000"/>
-                    </a:srgbClr>
-                  </a:glow>
-                </a:effectLst>
-              </a:rPr>
-              <a:t>magic</a:t>
-            </a:r>
-          </a:p>
-        </p:txBody>
-      </p:sp>
-    </p:spTree>
-    <p:extLst>
-      <p:ext uri="{BB962C8B-B14F-4D97-AF65-F5344CB8AC3E}">
-        <p14:creationId xmlns:p14="http://schemas.microsoft.com/office/powerpoint/2010/main" val="475823340"/>
-      </p:ext>
-    </p:extLst>
-  </p:cSld>
-  <p:clrMapOvr>
-    <a:masterClrMapping/>
-  </p:clrMapOvr>
-</p:sld>
-</file>
-
 <file path=ppt/slides/slide8.xml><?xml version="1.0" encoding="utf-8"?>
 <p:sld xmlns:a="http://schemas.openxmlformats.org/drawingml/2006/main" xmlns:r="http://schemas.openxmlformats.org/officeDocument/2006/relationships" xmlns:p="http://schemas.openxmlformats.org/presentationml/2006/main">
   <p:cSld>
@@ -10309,10 +11500,10 @@
       </p:grpSpPr>
       <p:sp>
         <p:nvSpPr>
-          <p:cNvPr id="9" name="Title 1">
+          <p:cNvPr id="2" name="Title 1">
             <a:extLst>
               <a:ext uri="{FF2B5EF4-FFF2-40B4-BE49-F238E27FC236}">
-                <a16:creationId xmlns:a16="http://schemas.microsoft.com/office/drawing/2014/main" id="{8210DC89-683E-4430-988D-9D86908F052A}"/>
+                <a16:creationId xmlns:a16="http://schemas.microsoft.com/office/drawing/2014/main" id="{EE596A18-7DDF-4A92-8F12-74CAC08CFF75}"/>
               </a:ext>
             </a:extLst>
           </p:cNvPr>
@@ -10325,52 +11516,123 @@
         </p:nvSpPr>
         <p:spPr>
           <a:xfrm>
-            <a:off x="838200" y="2766218"/>
+            <a:off x="838200" y="365125"/>
             <a:ext cx="10515600" cy="1325563"/>
           </a:xfrm>
         </p:spPr>
         <p:txBody>
-          <a:bodyPr anchor="ctr">
-            <a:normAutofit/>
-            <a:scene3d>
-              <a:camera prst="orthographicFront"/>
-              <a:lightRig rig="threePt" dir="t"/>
-            </a:scene3d>
-            <a:sp3d>
-              <a:bevelB w="38100" h="38100"/>
-            </a:sp3d>
-          </a:bodyPr>
+          <a:bodyPr/>
           <a:lstStyle/>
           <a:p>
-            <a:pPr algn="ctr"/>
-            <a:r>
-              <a:rPr lang="en-AU" sz="4800" dirty="0"/>
-              <a:t>.NET</a:t>
-            </a:r>
-            <a:endParaRPr lang="en-AU" sz="4800" i="1" dirty="0">
-              <a:pattFill prst="solidDmnd">
-                <a:fgClr>
-                  <a:srgbClr val="CC00FF"/>
-                </a:fgClr>
-                <a:bgClr>
-                  <a:srgbClr val="FFFF00"/>
-                </a:bgClr>
-              </a:pattFill>
-              <a:effectLst>
-                <a:glow rad="228600">
-                  <a:srgbClr val="7030A0">
-                    <a:alpha val="40000"/>
-                  </a:srgbClr>
-                </a:glow>
-              </a:effectLst>
-            </a:endParaRPr>
+            <a:r>
+              <a:rPr lang="en-AU" dirty="0"/>
+              <a:t>Seems obscure…</a:t>
+            </a:r>
+          </a:p>
+        </p:txBody>
+      </p:sp>
+      <p:sp>
+        <p:nvSpPr>
+          <p:cNvPr id="3" name="Content Placeholder 2">
+            <a:extLst>
+              <a:ext uri="{FF2B5EF4-FFF2-40B4-BE49-F238E27FC236}">
+                <a16:creationId xmlns:a16="http://schemas.microsoft.com/office/drawing/2014/main" id="{A1A07A77-8217-4A2A-904A-65F038F123C8}"/>
+              </a:ext>
+            </a:extLst>
+          </p:cNvPr>
+          <p:cNvSpPr>
+            <a:spLocks noGrp="1"/>
+          </p:cNvSpPr>
+          <p:nvPr>
+            <p:ph idx="1"/>
+          </p:nvPr>
+        </p:nvSpPr>
+        <p:spPr/>
+        <p:txBody>
+          <a:bodyPr/>
+          <a:lstStyle/>
+          <a:p>
+            <a:r>
+              <a:rPr lang="en-AU" dirty="0"/>
+              <a:t>Serializers (JSON.NET, </a:t>
+            </a:r>
+            <a:r>
+              <a:rPr lang="en-AU" dirty="0" err="1"/>
+              <a:t>protobuf</a:t>
+            </a:r>
+            <a:r>
+              <a:rPr lang="en-AU" dirty="0"/>
+              <a:t>-net, </a:t>
+            </a:r>
+            <a:r>
+              <a:rPr lang="en-AU" dirty="0" err="1"/>
+              <a:t>BinaryForma</a:t>
+            </a:r>
+            <a:r>
+              <a:rPr lang="en-AU" dirty="0"/>
+              <a:t>)</a:t>
+            </a:r>
+          </a:p>
+          <a:p>
+            <a:r>
+              <a:rPr lang="en-AU" dirty="0"/>
+              <a:t>RPCs (</a:t>
+            </a:r>
+            <a:r>
+              <a:rPr lang="en-AU" dirty="0" err="1"/>
+              <a:t>gRPC</a:t>
+            </a:r>
+            <a:r>
+              <a:rPr lang="en-AU" dirty="0"/>
+              <a:t>, Orleans)</a:t>
+            </a:r>
+          </a:p>
+          <a:p>
+            <a:r>
+              <a:rPr lang="en-AU" dirty="0"/>
+              <a:t>ORMs (EF, Dapper)</a:t>
+            </a:r>
+          </a:p>
+          <a:p>
+            <a:r>
+              <a:rPr lang="en-AU" dirty="0"/>
+              <a:t>Mocks (</a:t>
+            </a:r>
+            <a:r>
+              <a:rPr lang="en-AU" dirty="0" err="1"/>
+              <a:t>NSubstitute</a:t>
+            </a:r>
+            <a:r>
+              <a:rPr lang="en-AU" dirty="0"/>
+              <a:t>, </a:t>
+            </a:r>
+            <a:r>
+              <a:rPr lang="en-AU" dirty="0" err="1"/>
+              <a:t>Moq</a:t>
+            </a:r>
+            <a:r>
+              <a:rPr lang="en-AU" dirty="0"/>
+              <a:t>)</a:t>
+            </a:r>
+          </a:p>
+          <a:p>
+            <a:r>
+              <a:rPr lang="en-AU" dirty="0"/>
+              <a:t>UI tooling (XAML, Razor)</a:t>
+            </a:r>
+          </a:p>
+          <a:p>
+            <a:r>
+              <a:rPr lang="en-AU" dirty="0"/>
+              <a:t>Dependency Injection</a:t>
+            </a:r>
           </a:p>
         </p:txBody>
       </p:sp>
     </p:spTree>
     <p:extLst>
       <p:ext uri="{BB962C8B-B14F-4D97-AF65-F5344CB8AC3E}">
-        <p14:creationId xmlns:p14="http://schemas.microsoft.com/office/powerpoint/2010/main" val="2701734904"/>
+        <p14:creationId xmlns:p14="http://schemas.microsoft.com/office/powerpoint/2010/main" val="3624396628"/>
       </p:ext>
     </p:extLst>
   </p:cSld>
@@ -10410,7 +11672,7 @@
           <p:cNvPr id="2" name="Title 1">
             <a:extLst>
               <a:ext uri="{FF2B5EF4-FFF2-40B4-BE49-F238E27FC236}">
-                <a16:creationId xmlns:a16="http://schemas.microsoft.com/office/drawing/2014/main" id="{E280D2F7-3049-41EA-AD79-C29365FEE858}"/>
+                <a16:creationId xmlns:a16="http://schemas.microsoft.com/office/drawing/2014/main" id="{5F64C7F0-6B00-4CB9-9F3B-EBC3312462AC}"/>
               </a:ext>
             </a:extLst>
           </p:cNvPr>
@@ -10421,144 +11683,69 @@
             <p:ph type="title"/>
           </p:nvPr>
         </p:nvSpPr>
-        <p:spPr/>
-        <p:txBody>
-          <a:bodyPr/>
+        <p:spPr>
+          <a:xfrm>
+            <a:off x="838200" y="2766218"/>
+            <a:ext cx="10515600" cy="1325563"/>
+          </a:xfrm>
+        </p:spPr>
+        <p:txBody>
+          <a:bodyPr>
+            <a:normAutofit/>
+            <a:scene3d>
+              <a:camera prst="orthographicFront"/>
+              <a:lightRig rig="threePt" dir="t"/>
+            </a:scene3d>
+            <a:sp3d>
+              <a:bevelB w="38100" h="38100"/>
+            </a:sp3d>
+          </a:bodyPr>
           <a:lstStyle/>
           <a:p>
-            <a:r>
-              <a:rPr lang="en-AU" dirty="0"/>
-              <a:t>Expression Trees</a:t>
-            </a:r>
-          </a:p>
-        </p:txBody>
-      </p:sp>
-      <p:sp>
-        <p:nvSpPr>
-          <p:cNvPr id="3" name="Content Placeholder 2">
-            <a:extLst>
-              <a:ext uri="{FF2B5EF4-FFF2-40B4-BE49-F238E27FC236}">
-                <a16:creationId xmlns:a16="http://schemas.microsoft.com/office/drawing/2014/main" id="{DD49FCDC-C283-4976-AFB1-79E5D31CF530}"/>
-              </a:ext>
-            </a:extLst>
-          </p:cNvPr>
-          <p:cNvSpPr>
-            <a:spLocks noGrp="1"/>
-          </p:cNvSpPr>
-          <p:nvPr>
-            <p:ph idx="1"/>
-          </p:nvPr>
-        </p:nvSpPr>
-        <p:spPr/>
-        <p:txBody>
-          <a:bodyPr/>
-          <a:lstStyle/>
-          <a:p>
-            <a:pPr marL="0" indent="0">
-              <a:buNone/>
-            </a:pPr>
-            <a:r>
-              <a:rPr lang="en-US" dirty="0"/>
-              <a:t>Using </a:t>
-            </a:r>
-            <a:r>
-              <a:rPr lang="en-US" b="1" dirty="0">
-                <a:solidFill>
-                  <a:srgbClr val="00B0F0"/>
-                </a:solidFill>
-              </a:rPr>
-              <a:t>LINQ Expression Trees</a:t>
-            </a:r>
-            <a:r>
-              <a:rPr lang="en-US" dirty="0">
-                <a:solidFill>
-                  <a:srgbClr val="00B0F0"/>
-                </a:solidFill>
-              </a:rPr>
-              <a:t> </a:t>
-            </a:r>
-            <a:r>
-              <a:rPr lang="en-US" dirty="0"/>
-              <a:t>to compile expressions at runtime</a:t>
-            </a:r>
-          </a:p>
-          <a:p>
-            <a:pPr marL="0" indent="0">
-              <a:buNone/>
-            </a:pPr>
-            <a:r>
-              <a:rPr lang="en-AU" dirty="0">
-                <a:solidFill>
-                  <a:srgbClr val="00B050"/>
-                </a:solidFill>
-              </a:rPr>
-              <a:t>✔ </a:t>
-            </a:r>
-            <a:r>
-              <a:rPr lang="en-US" dirty="0"/>
-              <a:t>Easy to use, expressive API</a:t>
-            </a:r>
-          </a:p>
-          <a:p>
-            <a:pPr marL="0" indent="0">
-              <a:buNone/>
-            </a:pPr>
-            <a:r>
-              <a:rPr lang="en-AU" dirty="0">
-                <a:solidFill>
-                  <a:srgbClr val="00B050"/>
-                </a:solidFill>
-              </a:rPr>
-              <a:t>✔ </a:t>
-            </a:r>
-            <a:r>
-              <a:rPr lang="en-US" dirty="0"/>
-              <a:t>Allows level of access to private members</a:t>
-            </a:r>
-          </a:p>
-          <a:p>
-            <a:pPr marL="0" indent="0">
-              <a:buNone/>
-            </a:pPr>
-            <a:r>
-              <a:rPr lang="en-AU" dirty="0">
+            <a:pPr algn="ctr"/>
+            <a:r>
+              <a:rPr lang="en-AU" sz="4800" dirty="0"/>
+              <a:t>Code gen is </a:t>
+            </a:r>
+            <a:r>
+              <a:rPr lang="en-AU" sz="4800" i="1" dirty="0">
                 <a:solidFill>
                   <a:srgbClr val="FF0000"/>
                 </a:solidFill>
               </a:rPr>
-              <a:t>❌ </a:t>
-            </a:r>
-            <a:r>
-              <a:rPr lang="en-US" dirty="0"/>
-              <a:t>Not fully supported on AOT-only platforms like iOS</a:t>
-            </a:r>
-          </a:p>
-          <a:p>
-            <a:pPr marL="0" indent="0">
-              <a:buNone/>
-            </a:pPr>
-            <a:r>
-              <a:rPr lang="en-AU" dirty="0">
-                <a:solidFill>
-                  <a:srgbClr val="FF0000"/>
-                </a:solidFill>
+              <a:t>crucial</a:t>
+            </a:r>
+            <a:r>
+              <a:rPr lang="en-AU" sz="4800" i="1" dirty="0"/>
+              <a:t>, but it is not </a:t>
+            </a:r>
+            <a:r>
+              <a:rPr lang="en-AU" sz="4800" i="1" dirty="0">
+                <a:pattFill prst="solidDmnd">
+                  <a:fgClr>
+                    <a:srgbClr val="CC00FF"/>
+                  </a:fgClr>
+                  <a:bgClr>
+                    <a:srgbClr val="FFFF00"/>
+                  </a:bgClr>
+                </a:pattFill>
+                <a:effectLst>
+                  <a:glow rad="228600">
+                    <a:srgbClr val="7030A0">
+                      <a:alpha val="40000"/>
+                    </a:srgbClr>
+                  </a:glow>
+                </a:effectLst>
               </a:rPr>
-              <a:t>❌ </a:t>
-            </a:r>
-            <a:r>
-              <a:rPr lang="en-US" dirty="0"/>
-              <a:t>Not all language constructs are supported</a:t>
-            </a:r>
-          </a:p>
-          <a:p>
-            <a:endParaRPr lang="en-AU" dirty="0"/>
+              <a:t>magic</a:t>
+            </a:r>
           </a:p>
         </p:txBody>
       </p:sp>
     </p:spTree>
     <p:extLst>
       <p:ext uri="{BB962C8B-B14F-4D97-AF65-F5344CB8AC3E}">
-        <p14:creationId xmlns:p14="http://schemas.microsoft.com/office/powerpoint/2010/main" val="2288847306"/>
+        <p14:creationId xmlns:p14="http://schemas.microsoft.com/office/powerpoint/2010/main" val="475823340"/>
       </p:ext>
     </p:extLst>
   </p:cSld>
